--- a/tesi/presentazione/template laurea.pptx
+++ b/tesi/presentazione/template laurea.pptx
@@ -5,19 +5,20 @@
     <p:sldMasterId id="2147483648" r:id="rId1"/>
   </p:sldMasterIdLst>
   <p:notesMasterIdLst>
-    <p:notesMasterId r:id="rId12"/>
+    <p:notesMasterId r:id="rId13"/>
   </p:notesMasterIdLst>
   <p:sldIdLst>
     <p:sldId id="256" r:id="rId2"/>
     <p:sldId id="257" r:id="rId3"/>
-    <p:sldId id="258" r:id="rId4"/>
-    <p:sldId id="259" r:id="rId5"/>
-    <p:sldId id="260" r:id="rId6"/>
-    <p:sldId id="261" r:id="rId7"/>
-    <p:sldId id="262" r:id="rId8"/>
-    <p:sldId id="263" r:id="rId9"/>
-    <p:sldId id="264" r:id="rId10"/>
-    <p:sldId id="265" r:id="rId11"/>
+    <p:sldId id="266" r:id="rId4"/>
+    <p:sldId id="258" r:id="rId5"/>
+    <p:sldId id="259" r:id="rId6"/>
+    <p:sldId id="260" r:id="rId7"/>
+    <p:sldId id="261" r:id="rId8"/>
+    <p:sldId id="262" r:id="rId9"/>
+    <p:sldId id="263" r:id="rId10"/>
+    <p:sldId id="264" r:id="rId11"/>
+    <p:sldId id="265" r:id="rId12"/>
   </p:sldIdLst>
   <p:sldSz cx="12192000" cy="6858000"/>
   <p:notesSz cx="6858000" cy="9144000"/>
@@ -116,6 +117,11 @@
       </a:defRPr>
     </a:lvl9pPr>
   </p:defaultTextStyle>
+  <p:extLst>
+    <p:ext uri="{EFAFB233-063F-42B5-8137-9DF3F51BA10A}">
+      <p15:sldGuideLst xmlns:p15="http://schemas.microsoft.com/office/powerpoint/2012/main"/>
+    </p:ext>
+  </p:extLst>
 </p:presentation>
 </file>
 
@@ -513,7 +519,255 @@
           <a:bodyPr/>
           <a:lstStyle/>
           <a:p>
-            <a:endParaRPr lang="it-IT"/>
+            <a:r>
+              <a:rPr lang="it-IT" sz="1800" b="0" i="0" u="none" strike="noStrike" kern="1200" baseline="0" dirty="0" smtClean="0">
+                <a:solidFill>
+                  <a:schemeClr val="tx1"/>
+                </a:solidFill>
+                <a:latin typeface="+mn-lt"/>
+                <a:ea typeface="+mn-ea"/>
+                <a:cs typeface="+mn-cs"/>
+              </a:rPr>
+              <a:t>Il progetto 3D4Amb sfrutta la tecnologia 3D </a:t>
+            </a:r>
+            <a:r>
+              <a:rPr lang="it-IT" sz="1800" b="0" i="0" u="none" strike="noStrike" kern="1200" baseline="0" dirty="0" err="1" smtClean="0">
+                <a:solidFill>
+                  <a:schemeClr val="tx1"/>
+                </a:solidFill>
+                <a:latin typeface="+mn-lt"/>
+                <a:ea typeface="+mn-ea"/>
+                <a:cs typeface="+mn-cs"/>
+              </a:rPr>
+              <a:t>active</a:t>
+            </a:r>
+            <a:r>
+              <a:rPr lang="it-IT" sz="1800" b="0" i="0" u="none" strike="noStrike" kern="1200" baseline="0" dirty="0" smtClean="0">
+                <a:solidFill>
+                  <a:schemeClr val="tx1"/>
+                </a:solidFill>
+                <a:latin typeface="+mn-lt"/>
+                <a:ea typeface="+mn-ea"/>
+                <a:cs typeface="+mn-cs"/>
+              </a:rPr>
+              <a:t> </a:t>
+            </a:r>
+            <a:r>
+              <a:rPr lang="it-IT" sz="1800" b="0" i="0" u="none" strike="noStrike" kern="1200" baseline="0" dirty="0" err="1" smtClean="0">
+                <a:solidFill>
+                  <a:schemeClr val="tx1"/>
+                </a:solidFill>
+                <a:latin typeface="+mn-lt"/>
+                <a:ea typeface="+mn-ea"/>
+                <a:cs typeface="+mn-cs"/>
+              </a:rPr>
+              <a:t>shutter</a:t>
+            </a:r>
+            <a:r>
+              <a:rPr lang="it-IT" sz="1800" b="0" i="0" u="none" strike="noStrike" kern="1200" baseline="0" dirty="0" smtClean="0">
+                <a:solidFill>
+                  <a:schemeClr val="tx1"/>
+                </a:solidFill>
+                <a:latin typeface="+mn-lt"/>
+                <a:ea typeface="+mn-ea"/>
+                <a:cs typeface="+mn-cs"/>
+              </a:rPr>
+              <a:t> per garantire una visione</a:t>
+            </a:r>
+          </a:p>
+          <a:p>
+            <a:r>
+              <a:rPr lang="it-IT" sz="1800" b="0" i="0" u="none" strike="noStrike" kern="1200" baseline="0" dirty="0" smtClean="0">
+                <a:solidFill>
+                  <a:schemeClr val="tx1"/>
+                </a:solidFill>
+                <a:latin typeface="+mn-lt"/>
+                <a:ea typeface="+mn-ea"/>
+                <a:cs typeface="+mn-cs"/>
+              </a:rPr>
+              <a:t>binoculare, cioè per mostrare immagini diverse all'occhio normale e all'occhio</a:t>
+            </a:r>
+          </a:p>
+          <a:p>
+            <a:r>
+              <a:rPr lang="it-IT" sz="1800" b="0" i="0" u="none" strike="noStrike" kern="1200" baseline="0" dirty="0" smtClean="0">
+                <a:solidFill>
+                  <a:schemeClr val="tx1"/>
+                </a:solidFill>
+                <a:latin typeface="+mn-lt"/>
+                <a:ea typeface="+mn-ea"/>
+                <a:cs typeface="+mn-cs"/>
+              </a:rPr>
+              <a:t>pigro. Il progetto punta a sviluppare una tecnologia per consentire una facile diagnosi</a:t>
+            </a:r>
+          </a:p>
+          <a:p>
+            <a:r>
+              <a:rPr lang="it-IT" sz="1800" b="0" i="0" u="none" strike="noStrike" kern="1200" baseline="0" dirty="0" smtClean="0">
+                <a:solidFill>
+                  <a:schemeClr val="tx1"/>
+                </a:solidFill>
+                <a:latin typeface="+mn-lt"/>
+                <a:ea typeface="+mn-ea"/>
+                <a:cs typeface="+mn-cs"/>
+              </a:rPr>
+              <a:t>dell'ambliopia e il suo trattamento per mezzo di giochi interattivi e attività di</a:t>
+            </a:r>
+          </a:p>
+          <a:p>
+            <a:r>
+              <a:rPr lang="it-IT" sz="1800" b="0" i="0" u="none" strike="noStrike" kern="1200" baseline="0" dirty="0" err="1" smtClean="0">
+                <a:solidFill>
+                  <a:schemeClr val="tx1"/>
+                </a:solidFill>
+                <a:latin typeface="+mn-lt"/>
+                <a:ea typeface="+mn-ea"/>
+                <a:cs typeface="+mn-cs"/>
+              </a:rPr>
+              <a:t>intrattenimento.La</a:t>
+            </a:r>
+            <a:r>
+              <a:rPr lang="it-IT" sz="1800" b="0" i="0" u="none" strike="noStrike" kern="1200" baseline="0" dirty="0" smtClean="0">
+                <a:solidFill>
+                  <a:schemeClr val="tx1"/>
+                </a:solidFill>
+                <a:latin typeface="+mn-lt"/>
+                <a:ea typeface="+mn-ea"/>
+                <a:cs typeface="+mn-cs"/>
+              </a:rPr>
+              <a:t> soluzione proposta mira ad eliminare i problemi del trattamento</a:t>
+            </a:r>
+          </a:p>
+          <a:p>
+            <a:r>
+              <a:rPr lang="it-IT" sz="1800" b="0" i="0" u="none" strike="noStrike" kern="1200" baseline="0" dirty="0" smtClean="0">
+                <a:solidFill>
+                  <a:schemeClr val="tx1"/>
+                </a:solidFill>
+                <a:latin typeface="+mn-lt"/>
+                <a:ea typeface="+mn-ea"/>
+                <a:cs typeface="+mn-cs"/>
+              </a:rPr>
+              <a:t>classico dell'occlusione, è adatto ad un uso domestico, e potrebbe, almeno in parte,</a:t>
+            </a:r>
+          </a:p>
+          <a:p>
+            <a:r>
+              <a:rPr lang="it-IT" sz="1800" b="0" i="0" u="none" strike="noStrike" kern="1200" baseline="0" dirty="0" smtClean="0">
+                <a:solidFill>
+                  <a:schemeClr val="tx1"/>
+                </a:solidFill>
+                <a:latin typeface="+mn-lt"/>
+                <a:ea typeface="+mn-ea"/>
+                <a:cs typeface="+mn-cs"/>
+              </a:rPr>
+              <a:t>sostituire l'occlusione dell'occhio normale.</a:t>
+            </a:r>
+          </a:p>
+          <a:p>
+            <a:endParaRPr lang="it-IT" sz="1800" b="0" i="0" u="none" strike="noStrike" kern="1200" baseline="0" dirty="0" smtClean="0">
+              <a:solidFill>
+                <a:schemeClr val="tx1"/>
+              </a:solidFill>
+              <a:latin typeface="+mn-lt"/>
+              <a:ea typeface="+mn-ea"/>
+              <a:cs typeface="+mn-cs"/>
+            </a:endParaRPr>
+          </a:p>
+          <a:p>
+            <a:r>
+              <a:rPr lang="it-IT" sz="1800" b="0" i="0" u="none" strike="noStrike" kern="1200" baseline="0" dirty="0" smtClean="0">
+                <a:solidFill>
+                  <a:schemeClr val="tx1"/>
+                </a:solidFill>
+                <a:latin typeface="+mn-lt"/>
+                <a:ea typeface="+mn-ea"/>
+                <a:cs typeface="+mn-cs"/>
+              </a:rPr>
+              <a:t>L'obiettivo principale di questo progetto di ricerca, denominato 3D4Amb, è di sviluppare</a:t>
+            </a:r>
+          </a:p>
+          <a:p>
+            <a:r>
+              <a:rPr lang="it-IT" sz="1800" b="0" i="0" u="none" strike="noStrike" kern="1200" baseline="0" dirty="0" smtClean="0">
+                <a:solidFill>
+                  <a:schemeClr val="tx1"/>
+                </a:solidFill>
+                <a:latin typeface="+mn-lt"/>
+                <a:ea typeface="+mn-ea"/>
+                <a:cs typeface="+mn-cs"/>
+              </a:rPr>
+              <a:t>un sistema per la diagnosi e il trattamento di ambliopia, basata sulla visione</a:t>
+            </a:r>
+          </a:p>
+          <a:p>
+            <a:r>
+              <a:rPr lang="it-IT" sz="1800" b="0" i="0" u="none" strike="noStrike" kern="1200" baseline="0" dirty="0" smtClean="0">
+                <a:solidFill>
+                  <a:schemeClr val="tx1"/>
+                </a:solidFill>
+                <a:latin typeface="+mn-lt"/>
+                <a:ea typeface="+mn-ea"/>
+                <a:cs typeface="+mn-cs"/>
+              </a:rPr>
+              <a:t>binoculare in modo accessibile. Con il termine accessibile si intende: poco costoso,</a:t>
+            </a:r>
+          </a:p>
+          <a:p>
+            <a:r>
+              <a:rPr lang="it-IT" sz="1800" b="0" i="0" u="none" strike="noStrike" kern="1200" baseline="0" dirty="0" err="1" smtClean="0">
+                <a:solidFill>
+                  <a:schemeClr val="tx1"/>
+                </a:solidFill>
+                <a:latin typeface="+mn-lt"/>
+                <a:ea typeface="+mn-ea"/>
+                <a:cs typeface="+mn-cs"/>
+              </a:rPr>
+              <a:t>user</a:t>
+            </a:r>
+            <a:r>
+              <a:rPr lang="it-IT" sz="1800" b="0" i="0" u="none" strike="noStrike" kern="1200" baseline="0" dirty="0" smtClean="0">
+                <a:solidFill>
+                  <a:schemeClr val="tx1"/>
+                </a:solidFill>
+                <a:latin typeface="+mn-lt"/>
+                <a:ea typeface="+mn-ea"/>
+                <a:cs typeface="+mn-cs"/>
+              </a:rPr>
+              <a:t> </a:t>
+            </a:r>
+            <a:r>
+              <a:rPr lang="it-IT" sz="1800" b="0" i="0" u="none" strike="noStrike" kern="1200" baseline="0" dirty="0" err="1" smtClean="0">
+                <a:solidFill>
+                  <a:schemeClr val="tx1"/>
+                </a:solidFill>
+                <a:latin typeface="+mn-lt"/>
+                <a:ea typeface="+mn-ea"/>
+                <a:cs typeface="+mn-cs"/>
+              </a:rPr>
+              <a:t>friendly</a:t>
+            </a:r>
+            <a:r>
+              <a:rPr lang="it-IT" sz="1800" b="0" i="0" u="none" strike="noStrike" kern="1200" baseline="0" dirty="0" smtClean="0">
+                <a:solidFill>
+                  <a:schemeClr val="tx1"/>
+                </a:solidFill>
+                <a:latin typeface="+mn-lt"/>
+                <a:ea typeface="+mn-ea"/>
+                <a:cs typeface="+mn-cs"/>
+              </a:rPr>
+              <a:t>, adatto per uso domestico e facilmente estendibile.</a:t>
+            </a:r>
+          </a:p>
+          <a:p>
+            <a:endParaRPr lang="it-IT" sz="1800" b="0" i="0" u="none" strike="noStrike" kern="1200" baseline="0" dirty="0" smtClean="0">
+              <a:solidFill>
+                <a:schemeClr val="tx1"/>
+              </a:solidFill>
+              <a:latin typeface="+mn-lt"/>
+              <a:ea typeface="+mn-ea"/>
+              <a:cs typeface="+mn-cs"/>
+            </a:endParaRPr>
           </a:p>
         </p:txBody>
       </p:sp>
@@ -544,6 +798,90 @@
     <p:extLst>
       <p:ext uri="{BB962C8B-B14F-4D97-AF65-F5344CB8AC3E}">
         <p14:creationId xmlns:p14="http://schemas.microsoft.com/office/powerpoint/2010/main" val="2470202936"/>
+      </p:ext>
+    </p:extLst>
+  </p:cSld>
+  <p:clrMapOvr>
+    <a:masterClrMapping/>
+  </p:clrMapOvr>
+</p:notes>
+</file>
+
+<file path=ppt/notesSlides/notesSlide10.xml><?xml version="1.0" encoding="utf-8"?>
+<p:notes xmlns:a="http://schemas.openxmlformats.org/drawingml/2006/main" xmlns:r="http://schemas.openxmlformats.org/officeDocument/2006/relationships" xmlns:p="http://schemas.openxmlformats.org/presentationml/2006/main">
+  <p:cSld>
+    <p:spTree>
+      <p:nvGrpSpPr>
+        <p:cNvPr id="1" name=""/>
+        <p:cNvGrpSpPr/>
+        <p:nvPr/>
+      </p:nvGrpSpPr>
+      <p:grpSpPr>
+        <a:xfrm>
+          <a:off x="0" y="0"/>
+          <a:ext cx="0" cy="0"/>
+          <a:chOff x="0" y="0"/>
+          <a:chExt cx="0" cy="0"/>
+        </a:xfrm>
+      </p:grpSpPr>
+      <p:sp>
+        <p:nvSpPr>
+          <p:cNvPr id="2" name="Segnaposto immagine diapositiva 1"/>
+          <p:cNvSpPr>
+            <a:spLocks noGrp="1" noRot="1" noChangeAspect="1"/>
+          </p:cNvSpPr>
+          <p:nvPr>
+            <p:ph type="sldImg"/>
+          </p:nvPr>
+        </p:nvSpPr>
+        <p:spPr/>
+      </p:sp>
+      <p:sp>
+        <p:nvSpPr>
+          <p:cNvPr id="3" name="Segnaposto note 2"/>
+          <p:cNvSpPr>
+            <a:spLocks noGrp="1"/>
+          </p:cNvSpPr>
+          <p:nvPr>
+            <p:ph type="body" idx="1"/>
+          </p:nvPr>
+        </p:nvSpPr>
+        <p:spPr/>
+        <p:txBody>
+          <a:bodyPr/>
+          <a:lstStyle/>
+          <a:p>
+            <a:endParaRPr lang="it-IT"/>
+          </a:p>
+        </p:txBody>
+      </p:sp>
+      <p:sp>
+        <p:nvSpPr>
+          <p:cNvPr id="4" name="Segnaposto numero diapositiva 3"/>
+          <p:cNvSpPr>
+            <a:spLocks noGrp="1"/>
+          </p:cNvSpPr>
+          <p:nvPr>
+            <p:ph type="sldNum" sz="quarter" idx="10"/>
+          </p:nvPr>
+        </p:nvSpPr>
+        <p:spPr/>
+        <p:txBody>
+          <a:bodyPr/>
+          <a:lstStyle/>
+          <a:p>
+            <a:fld id="{CFA2E487-D896-4E0E-8AAE-B7DEF5C7D479}" type="slidenum">
+              <a:rPr lang="it-IT" smtClean="0"/>
+              <a:t>11</a:t>
+            </a:fld>
+            <a:endParaRPr lang="it-IT"/>
+          </a:p>
+        </p:txBody>
+      </p:sp>
+    </p:spTree>
+    <p:extLst>
+      <p:ext uri="{BB962C8B-B14F-4D97-AF65-F5344CB8AC3E}">
+        <p14:creationId xmlns:p14="http://schemas.microsoft.com/office/powerpoint/2010/main" val="3844343771"/>
       </p:ext>
     </p:extLst>
   </p:cSld>
@@ -627,7 +965,7 @@
     </p:spTree>
     <p:extLst>
       <p:ext uri="{BB962C8B-B14F-4D97-AF65-F5344CB8AC3E}">
-        <p14:creationId xmlns:p14="http://schemas.microsoft.com/office/powerpoint/2010/main" val="235494959"/>
+        <p14:creationId xmlns:p14="http://schemas.microsoft.com/office/powerpoint/2010/main" val="3490819046"/>
       </p:ext>
     </p:extLst>
   </p:cSld>
@@ -711,7 +1049,7 @@
     </p:spTree>
     <p:extLst>
       <p:ext uri="{BB962C8B-B14F-4D97-AF65-F5344CB8AC3E}">
-        <p14:creationId xmlns:p14="http://schemas.microsoft.com/office/powerpoint/2010/main" val="2868682944"/>
+        <p14:creationId xmlns:p14="http://schemas.microsoft.com/office/powerpoint/2010/main" val="235494959"/>
       </p:ext>
     </p:extLst>
   </p:cSld>
@@ -795,7 +1133,7 @@
     </p:spTree>
     <p:extLst>
       <p:ext uri="{BB962C8B-B14F-4D97-AF65-F5344CB8AC3E}">
-        <p14:creationId xmlns:p14="http://schemas.microsoft.com/office/powerpoint/2010/main" val="1521416209"/>
+        <p14:creationId xmlns:p14="http://schemas.microsoft.com/office/powerpoint/2010/main" val="2868682944"/>
       </p:ext>
     </p:extLst>
   </p:cSld>
@@ -879,7 +1217,7 @@
     </p:spTree>
     <p:extLst>
       <p:ext uri="{BB962C8B-B14F-4D97-AF65-F5344CB8AC3E}">
-        <p14:creationId xmlns:p14="http://schemas.microsoft.com/office/powerpoint/2010/main" val="3968666121"/>
+        <p14:creationId xmlns:p14="http://schemas.microsoft.com/office/powerpoint/2010/main" val="1521416209"/>
       </p:ext>
     </p:extLst>
   </p:cSld>
@@ -963,7 +1301,7 @@
     </p:spTree>
     <p:extLst>
       <p:ext uri="{BB962C8B-B14F-4D97-AF65-F5344CB8AC3E}">
-        <p14:creationId xmlns:p14="http://schemas.microsoft.com/office/powerpoint/2010/main" val="2765449244"/>
+        <p14:creationId xmlns:p14="http://schemas.microsoft.com/office/powerpoint/2010/main" val="3968666121"/>
       </p:ext>
     </p:extLst>
   </p:cSld>
@@ -1047,7 +1385,7 @@
     </p:spTree>
     <p:extLst>
       <p:ext uri="{BB962C8B-B14F-4D97-AF65-F5344CB8AC3E}">
-        <p14:creationId xmlns:p14="http://schemas.microsoft.com/office/powerpoint/2010/main" val="878560744"/>
+        <p14:creationId xmlns:p14="http://schemas.microsoft.com/office/powerpoint/2010/main" val="2765449244"/>
       </p:ext>
     </p:extLst>
   </p:cSld>
@@ -1131,7 +1469,7 @@
     </p:spTree>
     <p:extLst>
       <p:ext uri="{BB962C8B-B14F-4D97-AF65-F5344CB8AC3E}">
-        <p14:creationId xmlns:p14="http://schemas.microsoft.com/office/powerpoint/2010/main" val="393520312"/>
+        <p14:creationId xmlns:p14="http://schemas.microsoft.com/office/powerpoint/2010/main" val="878560744"/>
       </p:ext>
     </p:extLst>
   </p:cSld>
@@ -1215,7 +1553,7 @@
     </p:spTree>
     <p:extLst>
       <p:ext uri="{BB962C8B-B14F-4D97-AF65-F5344CB8AC3E}">
-        <p14:creationId xmlns:p14="http://schemas.microsoft.com/office/powerpoint/2010/main" val="3844343771"/>
+        <p14:creationId xmlns:p14="http://schemas.microsoft.com/office/powerpoint/2010/main" val="393520312"/>
       </p:ext>
     </p:extLst>
   </p:cSld>
@@ -4706,6 +5044,272 @@
                   <a:srgbClr val="044F92"/>
                 </a:solidFill>
               </a:rPr>
+              <a:t>SOCIAL   MEDIA</a:t>
+            </a:r>
+            <a:endParaRPr lang="it-IT" sz="4400" dirty="0">
+              <a:solidFill>
+                <a:srgbClr val="044F92"/>
+              </a:solidFill>
+            </a:endParaRPr>
+          </a:p>
+        </p:txBody>
+      </p:sp>
+      <p:sp>
+        <p:nvSpPr>
+          <p:cNvPr id="10" name="Rettangolo 9"/>
+          <p:cNvSpPr/>
+          <p:nvPr/>
+        </p:nvSpPr>
+        <p:spPr>
+          <a:xfrm>
+            <a:off x="285007" y="1609981"/>
+            <a:ext cx="8847118" cy="830997"/>
+          </a:xfrm>
+          <a:prstGeom prst="rect">
+            <a:avLst/>
+          </a:prstGeom>
+        </p:spPr>
+        <p:txBody>
+          <a:bodyPr wrap="square">
+            <a:spAutoFit/>
+          </a:bodyPr>
+          <a:lstStyle/>
+          <a:p>
+            <a:pPr marL="342900" indent="-342900">
+              <a:buFont typeface="Arial" panose="020B0604020202020204" pitchFamily="34" charset="0"/>
+              <a:buChar char="•"/>
+            </a:pPr>
+            <a:r>
+              <a:rPr lang="it-IT" sz="2400" dirty="0" smtClean="0">
+                <a:latin typeface="Cambria" panose="02040503050406030204" pitchFamily="18" charset="0"/>
+              </a:rPr>
+              <a:t>Slide veloce</a:t>
+            </a:r>
+          </a:p>
+          <a:p>
+            <a:pPr marL="342900" indent="-342900">
+              <a:buFont typeface="Arial" panose="020B0604020202020204" pitchFamily="34" charset="0"/>
+              <a:buChar char="•"/>
+            </a:pPr>
+            <a:endParaRPr lang="it-IT" sz="2400" dirty="0">
+              <a:latin typeface="Cambria" panose="02040503050406030204" pitchFamily="18" charset="0"/>
+            </a:endParaRPr>
+          </a:p>
+        </p:txBody>
+      </p:sp>
+    </p:spTree>
+    <p:extLst>
+      <p:ext uri="{BB962C8B-B14F-4D97-AF65-F5344CB8AC3E}">
+        <p14:creationId xmlns:p14="http://schemas.microsoft.com/office/powerpoint/2010/main" val="3337991039"/>
+      </p:ext>
+    </p:extLst>
+  </p:cSld>
+  <p:clrMapOvr>
+    <a:masterClrMapping/>
+  </p:clrMapOvr>
+  <p:timing>
+    <p:tnLst>
+      <p:par>
+        <p:cTn id="1" dur="indefinite" restart="never" nodeType="tmRoot"/>
+      </p:par>
+    </p:tnLst>
+  </p:timing>
+</p:sld>
+</file>
+
+<file path=ppt/slides/slide11.xml><?xml version="1.0" encoding="utf-8"?>
+<p:sld xmlns:a="http://schemas.openxmlformats.org/drawingml/2006/main" xmlns:r="http://schemas.openxmlformats.org/officeDocument/2006/relationships" xmlns:p="http://schemas.openxmlformats.org/presentationml/2006/main">
+  <p:cSld>
+    <p:spTree>
+      <p:nvGrpSpPr>
+        <p:cNvPr id="1" name=""/>
+        <p:cNvGrpSpPr/>
+        <p:nvPr/>
+      </p:nvGrpSpPr>
+      <p:grpSpPr>
+        <a:xfrm>
+          <a:off x="0" y="0"/>
+          <a:ext cx="0" cy="0"/>
+          <a:chOff x="0" y="0"/>
+          <a:chExt cx="0" cy="0"/>
+        </a:xfrm>
+      </p:grpSpPr>
+      <p:cxnSp>
+        <p:nvCxnSpPr>
+          <p:cNvPr id="3" name="Connettore 1 2"/>
+          <p:cNvCxnSpPr/>
+          <p:nvPr/>
+        </p:nvCxnSpPr>
+        <p:spPr>
+          <a:xfrm>
+            <a:off x="0" y="1104405"/>
+            <a:ext cx="12192000" cy="0"/>
+          </a:xfrm>
+          <a:prstGeom prst="line">
+            <a:avLst/>
+          </a:prstGeom>
+          <a:ln>
+            <a:solidFill>
+              <a:srgbClr val="044F92"/>
+            </a:solidFill>
+          </a:ln>
+        </p:spPr>
+        <p:style>
+          <a:lnRef idx="1">
+            <a:schemeClr val="accent1"/>
+          </a:lnRef>
+          <a:fillRef idx="0">
+            <a:schemeClr val="accent1"/>
+          </a:fillRef>
+          <a:effectRef idx="0">
+            <a:schemeClr val="accent1"/>
+          </a:effectRef>
+          <a:fontRef idx="minor">
+            <a:schemeClr val="tx1"/>
+          </a:fontRef>
+        </p:style>
+      </p:cxnSp>
+      <p:sp>
+        <p:nvSpPr>
+          <p:cNvPr id="5" name="Rettangolo 4"/>
+          <p:cNvSpPr/>
+          <p:nvPr/>
+        </p:nvSpPr>
+        <p:spPr>
+          <a:xfrm>
+            <a:off x="0" y="6258296"/>
+            <a:ext cx="12192000" cy="599704"/>
+          </a:xfrm>
+          <a:prstGeom prst="rect">
+            <a:avLst/>
+          </a:prstGeom>
+          <a:solidFill>
+            <a:srgbClr val="044F92"/>
+          </a:solidFill>
+        </p:spPr>
+        <p:style>
+          <a:lnRef idx="2">
+            <a:schemeClr val="accent1">
+              <a:shade val="50000"/>
+            </a:schemeClr>
+          </a:lnRef>
+          <a:fillRef idx="1">
+            <a:schemeClr val="accent1"/>
+          </a:fillRef>
+          <a:effectRef idx="0">
+            <a:schemeClr val="accent1"/>
+          </a:effectRef>
+          <a:fontRef idx="minor">
+            <a:schemeClr val="lt1"/>
+          </a:fontRef>
+        </p:style>
+        <p:txBody>
+          <a:bodyPr rtlCol="0" anchor="ctr"/>
+          <a:lstStyle/>
+          <a:p>
+            <a:pPr algn="ctr"/>
+            <a:endParaRPr lang="it-IT" dirty="0"/>
+          </a:p>
+        </p:txBody>
+      </p:sp>
+      <p:sp>
+        <p:nvSpPr>
+          <p:cNvPr id="6" name="CasellaDiTesto 5"/>
+          <p:cNvSpPr txBox="1"/>
+          <p:nvPr/>
+        </p:nvSpPr>
+        <p:spPr>
+          <a:xfrm>
+            <a:off x="166254" y="6373482"/>
+            <a:ext cx="2175596" cy="369332"/>
+          </a:xfrm>
+          <a:prstGeom prst="rect">
+            <a:avLst/>
+          </a:prstGeom>
+          <a:noFill/>
+        </p:spPr>
+        <p:txBody>
+          <a:bodyPr wrap="none" rtlCol="0">
+            <a:spAutoFit/>
+          </a:bodyPr>
+          <a:lstStyle/>
+          <a:p>
+            <a:r>
+              <a:rPr lang="it-IT" dirty="0" smtClean="0">
+                <a:solidFill>
+                  <a:schemeClr val="bg1"/>
+                </a:solidFill>
+                <a:latin typeface="Cambria" panose="02040503050406030204" pitchFamily="18" charset="0"/>
+              </a:rPr>
+              <a:t>Scuola di Ingegneria</a:t>
+            </a:r>
+            <a:endParaRPr lang="it-IT" dirty="0">
+              <a:solidFill>
+                <a:schemeClr val="bg1"/>
+              </a:solidFill>
+              <a:latin typeface="Cambria" panose="02040503050406030204" pitchFamily="18" charset="0"/>
+            </a:endParaRPr>
+          </a:p>
+        </p:txBody>
+      </p:sp>
+      <p:pic>
+        <p:nvPicPr>
+          <p:cNvPr id="8" name="Immagine 7"/>
+          <p:cNvPicPr>
+            <a:picLocks noChangeAspect="1"/>
+          </p:cNvPicPr>
+          <p:nvPr/>
+        </p:nvPicPr>
+        <p:blipFill>
+          <a:blip r:embed="rId3" cstate="print">
+            <a:extLst>
+              <a:ext uri="{28A0092B-C50C-407E-A947-70E740481C1C}">
+                <a14:useLocalDpi xmlns:a14="http://schemas.microsoft.com/office/drawing/2010/main" val="0"/>
+              </a:ext>
+            </a:extLst>
+          </a:blip>
+          <a:stretch>
+            <a:fillRect/>
+          </a:stretch>
+        </p:blipFill>
+        <p:spPr>
+          <a:xfrm>
+            <a:off x="10456038" y="6317671"/>
+            <a:ext cx="1450189" cy="484518"/>
+          </a:xfrm>
+          <a:prstGeom prst="rect">
+            <a:avLst/>
+          </a:prstGeom>
+        </p:spPr>
+      </p:pic>
+      <p:sp>
+        <p:nvSpPr>
+          <p:cNvPr id="9" name="CasellaDiTesto 8"/>
+          <p:cNvSpPr txBox="1"/>
+          <p:nvPr/>
+        </p:nvSpPr>
+        <p:spPr>
+          <a:xfrm>
+            <a:off x="285007" y="190005"/>
+            <a:ext cx="7956468" cy="769441"/>
+          </a:xfrm>
+          <a:prstGeom prst="rect">
+            <a:avLst/>
+          </a:prstGeom>
+          <a:noFill/>
+        </p:spPr>
+        <p:txBody>
+          <a:bodyPr wrap="square" rtlCol="0">
+            <a:spAutoFit/>
+          </a:bodyPr>
+          <a:lstStyle/>
+          <a:p>
+            <a:r>
+              <a:rPr lang="it-IT" sz="4400" dirty="0" smtClean="0">
+                <a:solidFill>
+                  <a:srgbClr val="044F92"/>
+                </a:solidFill>
+              </a:rPr>
               <a:t>CONCLUSIONI</a:t>
             </a:r>
             <a:endParaRPr lang="it-IT" sz="4400" dirty="0">
@@ -4992,7 +5596,7 @@
         <p:spPr>
           <a:xfrm>
             <a:off x="285007" y="190005"/>
-            <a:ext cx="5225143" cy="769441"/>
+            <a:ext cx="9348850" cy="769441"/>
           </a:xfrm>
           <a:prstGeom prst="rect">
             <a:avLst/>
@@ -5010,13 +5614,33 @@
                 <a:solidFill>
                   <a:srgbClr val="044F92"/>
                 </a:solidFill>
-              </a:rPr>
-              <a:t>INTRODUZIONE</a:t>
+                <a:latin typeface="Cambria" panose="02040503050406030204" pitchFamily="18" charset="0"/>
+              </a:rPr>
+              <a:t>INTRODUZIONE – </a:t>
+            </a:r>
+            <a:r>
+              <a:rPr lang="it-IT" sz="4400" dirty="0">
+                <a:solidFill>
+                  <a:srgbClr val="044F92"/>
+                </a:solidFill>
+                <a:latin typeface="Cambria" panose="02040503050406030204" pitchFamily="18" charset="0"/>
+              </a:rPr>
+              <a:t>I</a:t>
+            </a:r>
+            <a:r>
+              <a:rPr lang="it-IT" sz="4400" dirty="0" smtClean="0">
+                <a:solidFill>
+                  <a:srgbClr val="044F92"/>
+                </a:solidFill>
+                <a:latin typeface="Cambria" panose="02040503050406030204" pitchFamily="18" charset="0"/>
+              </a:rPr>
+              <a:t>l progetto</a:t>
             </a:r>
             <a:endParaRPr lang="it-IT" sz="4400" dirty="0">
               <a:solidFill>
                 <a:srgbClr val="044F92"/>
               </a:solidFill>
+              <a:latin typeface="Cambria" panose="02040503050406030204" pitchFamily="18" charset="0"/>
             </a:endParaRPr>
           </a:p>
         </p:txBody>
@@ -5029,20 +5653,23 @@
         </p:nvSpPr>
         <p:spPr>
           <a:xfrm>
-            <a:off x="285007" y="1609981"/>
-            <a:ext cx="6096000" cy="830997"/>
+            <a:off x="285007" y="1360501"/>
+            <a:ext cx="11621220" cy="4893647"/>
           </a:xfrm>
           <a:prstGeom prst="rect">
             <a:avLst/>
           </a:prstGeom>
         </p:spPr>
         <p:txBody>
-          <a:bodyPr>
+          <a:bodyPr wrap="square">
             <a:spAutoFit/>
           </a:bodyPr>
           <a:lstStyle/>
           <a:p>
-            <a:pPr marL="342900" indent="-342900">
+            <a:pPr marL="342900" indent="-342900" algn="just">
+              <a:lnSpc>
+                <a:spcPct val="150000"/>
+              </a:lnSpc>
               <a:buFont typeface="Arial" panose="020B0604020202020204" pitchFamily="34" charset="0"/>
               <a:buChar char="•"/>
             </a:pPr>
@@ -5050,23 +5677,245 @@
               <a:rPr lang="it-IT" sz="2400" dirty="0" smtClean="0">
                 <a:latin typeface="Cambria" panose="02040503050406030204" pitchFamily="18" charset="0"/>
               </a:rPr>
-              <a:t>Progetto 1 slide</a:t>
-            </a:r>
-          </a:p>
-          <a:p>
-            <a:pPr marL="342900" indent="-342900">
+              <a:t>Sviluppare un </a:t>
+            </a:r>
+            <a:r>
+              <a:rPr lang="it-IT" sz="2400" dirty="0">
+                <a:latin typeface="Cambria" panose="02040503050406030204" pitchFamily="18" charset="0"/>
+              </a:rPr>
+              <a:t>sistema per la diagnosi e il trattamento di ambliopia, basata sulla </a:t>
+            </a:r>
+            <a:r>
+              <a:rPr lang="it-IT" sz="2400" dirty="0" smtClean="0">
+                <a:latin typeface="Cambria" panose="02040503050406030204" pitchFamily="18" charset="0"/>
+              </a:rPr>
+              <a:t>visione binoculare </a:t>
+            </a:r>
+            <a:r>
+              <a:rPr lang="it-IT" sz="2400" dirty="0">
+                <a:latin typeface="Cambria" panose="02040503050406030204" pitchFamily="18" charset="0"/>
+              </a:rPr>
+              <a:t>in modo </a:t>
+            </a:r>
+            <a:r>
+              <a:rPr lang="it-IT" sz="2400" dirty="0" smtClean="0">
+                <a:latin typeface="Cambria" panose="02040503050406030204" pitchFamily="18" charset="0"/>
+              </a:rPr>
+              <a:t>accessibile: </a:t>
+            </a:r>
+          </a:p>
+          <a:p>
+            <a:pPr marL="1257300" lvl="2" indent="-342900" algn="just">
+              <a:lnSpc>
+                <a:spcPct val="150000"/>
+              </a:lnSpc>
+              <a:buFont typeface="Wingdings" panose="05000000000000000000" pitchFamily="2" charset="2"/>
+              <a:buChar char="Ø"/>
+            </a:pPr>
+            <a:r>
+              <a:rPr lang="it-IT" sz="2400" dirty="0" smtClean="0">
+                <a:latin typeface="Cambria" panose="02040503050406030204" pitchFamily="18" charset="0"/>
+              </a:rPr>
+              <a:t>poco costoso</a:t>
+            </a:r>
+          </a:p>
+          <a:p>
+            <a:pPr marL="1257300" lvl="2" indent="-342900" algn="just">
+              <a:lnSpc>
+                <a:spcPct val="150000"/>
+              </a:lnSpc>
+              <a:buFont typeface="Wingdings" panose="05000000000000000000" pitchFamily="2" charset="2"/>
+              <a:buChar char="Ø"/>
+            </a:pPr>
+            <a:r>
+              <a:rPr lang="it-IT" sz="2400" dirty="0" err="1" smtClean="0">
+                <a:latin typeface="Cambria" panose="02040503050406030204" pitchFamily="18" charset="0"/>
+              </a:rPr>
+              <a:t>user</a:t>
+            </a:r>
+            <a:r>
+              <a:rPr lang="it-IT" sz="2400" dirty="0" smtClean="0">
+                <a:latin typeface="Cambria" panose="02040503050406030204" pitchFamily="18" charset="0"/>
+              </a:rPr>
+              <a:t> </a:t>
+            </a:r>
+            <a:r>
+              <a:rPr lang="it-IT" sz="2400" dirty="0" err="1" smtClean="0">
+                <a:latin typeface="Cambria" panose="02040503050406030204" pitchFamily="18" charset="0"/>
+              </a:rPr>
+              <a:t>friendly</a:t>
+            </a:r>
+            <a:endParaRPr lang="it-IT" sz="2400" dirty="0" smtClean="0">
+              <a:latin typeface="Cambria" panose="02040503050406030204" pitchFamily="18" charset="0"/>
+            </a:endParaRPr>
+          </a:p>
+          <a:p>
+            <a:pPr marL="1257300" lvl="2" indent="-342900" algn="just">
+              <a:lnSpc>
+                <a:spcPct val="150000"/>
+              </a:lnSpc>
+              <a:buFont typeface="Wingdings" panose="05000000000000000000" pitchFamily="2" charset="2"/>
+              <a:buChar char="Ø"/>
+            </a:pPr>
+            <a:r>
+              <a:rPr lang="it-IT" sz="2400" dirty="0" smtClean="0">
+                <a:latin typeface="Cambria" panose="02040503050406030204" pitchFamily="18" charset="0"/>
+              </a:rPr>
+              <a:t>adatto </a:t>
+            </a:r>
+            <a:r>
+              <a:rPr lang="it-IT" sz="2400" dirty="0">
+                <a:latin typeface="Cambria" panose="02040503050406030204" pitchFamily="18" charset="0"/>
+              </a:rPr>
+              <a:t>per uso domestico e facilmente </a:t>
+            </a:r>
+            <a:r>
+              <a:rPr lang="it-IT" sz="2400" dirty="0" smtClean="0">
+                <a:latin typeface="Cambria" panose="02040503050406030204" pitchFamily="18" charset="0"/>
+              </a:rPr>
+              <a:t>estendibile</a:t>
+            </a:r>
+          </a:p>
+          <a:p>
+            <a:pPr marL="1257300" lvl="2" indent="-342900" algn="just">
+              <a:lnSpc>
+                <a:spcPct val="150000"/>
+              </a:lnSpc>
+              <a:buFont typeface="Wingdings" panose="05000000000000000000" pitchFamily="2" charset="2"/>
+              <a:buChar char="Ø"/>
+            </a:pPr>
+            <a:endParaRPr lang="it-IT" sz="2400" dirty="0" smtClean="0">
+              <a:latin typeface="Cambria" panose="02040503050406030204" pitchFamily="18" charset="0"/>
+            </a:endParaRPr>
+          </a:p>
+          <a:p>
+            <a:pPr marL="342900" indent="-342900" algn="just">
               <a:buFont typeface="Arial" panose="020B0604020202020204" pitchFamily="34" charset="0"/>
               <a:buChar char="•"/>
             </a:pPr>
             <a:r>
+              <a:rPr lang="it-IT" sz="2400" dirty="0">
+                <a:latin typeface="Cambria" panose="02040503050406030204" pitchFamily="18" charset="0"/>
+              </a:rPr>
+              <a:t>Car Racing </a:t>
+            </a:r>
+            <a:r>
+              <a:rPr lang="it-IT" sz="2400" dirty="0" err="1" smtClean="0">
+                <a:latin typeface="Cambria" panose="02040503050406030204" pitchFamily="18" charset="0"/>
+              </a:rPr>
+              <a:t>Cardboard</a:t>
+            </a:r>
+            <a:r>
               <a:rPr lang="it-IT" sz="2400" dirty="0" smtClean="0">
                 <a:latin typeface="Cambria" panose="02040503050406030204" pitchFamily="18" charset="0"/>
               </a:rPr>
-              <a:t>Obiettivo 1 slide</a:t>
-            </a:r>
+              <a:t>                 curare l’ambliopia tramite il gioco</a:t>
+            </a:r>
+          </a:p>
+          <a:p>
+            <a:pPr marL="342900" indent="-342900" algn="just">
+              <a:buFont typeface="Arial" panose="020B0604020202020204" pitchFamily="34" charset="0"/>
+              <a:buChar char="•"/>
+            </a:pPr>
             <a:endParaRPr lang="it-IT" sz="2400" dirty="0">
               <a:latin typeface="Cambria" panose="02040503050406030204" pitchFamily="18" charset="0"/>
             </a:endParaRPr>
+          </a:p>
+          <a:p>
+            <a:pPr marL="342900" indent="-342900" algn="just">
+              <a:buFont typeface="Arial" panose="020B0604020202020204" pitchFamily="34" charset="0"/>
+              <a:buChar char="•"/>
+            </a:pPr>
+            <a:endParaRPr lang="it-IT" sz="2400" dirty="0" smtClean="0">
+              <a:latin typeface="Cambria" panose="02040503050406030204" pitchFamily="18" charset="0"/>
+            </a:endParaRPr>
+          </a:p>
+          <a:p>
+            <a:pPr marL="342900" indent="-342900" algn="just">
+              <a:buFont typeface="Arial" panose="020B0604020202020204" pitchFamily="34" charset="0"/>
+              <a:buChar char="•"/>
+            </a:pPr>
+            <a:endParaRPr lang="it-IT" sz="2400" dirty="0">
+              <a:latin typeface="Cambria" panose="02040503050406030204" pitchFamily="18" charset="0"/>
+            </a:endParaRPr>
+          </a:p>
+        </p:txBody>
+      </p:sp>
+      <p:pic>
+        <p:nvPicPr>
+          <p:cNvPr id="2" name="Immagine 1"/>
+          <p:cNvPicPr>
+            <a:picLocks noChangeAspect="1"/>
+          </p:cNvPicPr>
+          <p:nvPr/>
+        </p:nvPicPr>
+        <p:blipFill>
+          <a:blip r:embed="rId4">
+            <a:extLst>
+              <a:ext uri="{28A0092B-C50C-407E-A947-70E740481C1C}">
+                <a14:useLocalDpi xmlns:a14="http://schemas.microsoft.com/office/drawing/2010/main" val="0"/>
+              </a:ext>
+            </a:extLst>
+          </a:blip>
+          <a:stretch>
+            <a:fillRect/>
+          </a:stretch>
+        </p:blipFill>
+        <p:spPr>
+          <a:xfrm>
+            <a:off x="8313949" y="253901"/>
+            <a:ext cx="2867183" cy="641648"/>
+          </a:xfrm>
+          <a:prstGeom prst="rect">
+            <a:avLst/>
+          </a:prstGeom>
+        </p:spPr>
+      </p:pic>
+      <p:sp>
+        <p:nvSpPr>
+          <p:cNvPr id="4" name="Freccia a destra 3"/>
+          <p:cNvSpPr/>
+          <p:nvPr/>
+        </p:nvSpPr>
+        <p:spPr>
+          <a:xfrm>
+            <a:off x="3784600" y="4724400"/>
+            <a:ext cx="723900" cy="368300"/>
+          </a:xfrm>
+          <a:prstGeom prst="rightArrow">
+            <a:avLst/>
+          </a:prstGeom>
+          <a:solidFill>
+            <a:srgbClr val="044F92"/>
+          </a:solidFill>
+          <a:ln>
+            <a:solidFill>
+              <a:srgbClr val="044F92"/>
+            </a:solidFill>
+          </a:ln>
+        </p:spPr>
+        <p:style>
+          <a:lnRef idx="2">
+            <a:schemeClr val="accent1">
+              <a:shade val="50000"/>
+            </a:schemeClr>
+          </a:lnRef>
+          <a:fillRef idx="1">
+            <a:schemeClr val="accent1"/>
+          </a:fillRef>
+          <a:effectRef idx="0">
+            <a:schemeClr val="accent1"/>
+          </a:effectRef>
+          <a:fontRef idx="minor">
+            <a:schemeClr val="lt1"/>
+          </a:fontRef>
+        </p:style>
+        <p:txBody>
+          <a:bodyPr rtlCol="0" anchor="ctr"/>
+          <a:lstStyle/>
+          <a:p>
+            <a:pPr algn="ctr"/>
+            <a:endParaRPr lang="it-IT"/>
           </a:p>
         </p:txBody>
       </p:sp>
@@ -5264,7 +6113,7 @@
         <p:spPr>
           <a:xfrm>
             <a:off x="285007" y="190005"/>
-            <a:ext cx="5225143" cy="769441"/>
+            <a:ext cx="9348850" cy="769441"/>
           </a:xfrm>
           <a:prstGeom prst="rect">
             <a:avLst/>
@@ -5283,7 +6132,7 @@
                   <a:srgbClr val="044F92"/>
                 </a:solidFill>
               </a:rPr>
-              <a:t>AMBLIOPIA</a:t>
+              <a:t>INTRODUZIONE – Obiettivo</a:t>
             </a:r>
             <a:endParaRPr lang="it-IT" sz="4400" dirty="0">
               <a:solidFill>
@@ -5302,7 +6151,7 @@
         <p:spPr>
           <a:xfrm>
             <a:off x="285007" y="1609981"/>
-            <a:ext cx="6096000" cy="830997"/>
+            <a:ext cx="6096000" cy="461665"/>
           </a:xfrm>
           <a:prstGeom prst="rect">
             <a:avLst/>
@@ -5322,25 +6171,13 @@
               <a:rPr lang="it-IT" sz="2400" dirty="0" smtClean="0">
                 <a:latin typeface="Cambria" panose="02040503050406030204" pitchFamily="18" charset="0"/>
               </a:rPr>
-              <a:t>Disturbo 1 slide</a:t>
-            </a:r>
-          </a:p>
-          <a:p>
-            <a:pPr marL="342900" indent="-342900">
-              <a:buFont typeface="Arial" panose="020B0604020202020204" pitchFamily="34" charset="0"/>
-              <a:buChar char="•"/>
-            </a:pPr>
+              <a:t>Obiettivo </a:t>
+            </a:r>
             <a:r>
               <a:rPr lang="it-IT" sz="2400" dirty="0" smtClean="0">
                 <a:latin typeface="Cambria" panose="02040503050406030204" pitchFamily="18" charset="0"/>
               </a:rPr>
-              <a:t>Trattamenti</a:t>
-            </a:r>
-            <a:r>
-              <a:rPr lang="it-IT" sz="2400" dirty="0" smtClean="0">
-                <a:latin typeface="Cambria" panose="02040503050406030204" pitchFamily="18" charset="0"/>
-              </a:rPr>
-              <a:t> 1 slide</a:t>
+              <a:t>1 slide</a:t>
             </a:r>
             <a:endParaRPr lang="it-IT" sz="2400" dirty="0">
               <a:latin typeface="Cambria" panose="02040503050406030204" pitchFamily="18" charset="0"/>
@@ -5351,7 +6188,7 @@
     </p:spTree>
     <p:extLst>
       <p:ext uri="{BB962C8B-B14F-4D97-AF65-F5344CB8AC3E}">
-        <p14:creationId xmlns:p14="http://schemas.microsoft.com/office/powerpoint/2010/main" val="2229462151"/>
+        <p14:creationId xmlns:p14="http://schemas.microsoft.com/office/powerpoint/2010/main" val="4209423809"/>
       </p:ext>
     </p:extLst>
   </p:cSld>
@@ -5561,7 +6398,7 @@
                   <a:srgbClr val="044F92"/>
                 </a:solidFill>
               </a:rPr>
-              <a:t>L’IDEA  DI  3D4Amb</a:t>
+              <a:t>AMBLIOPIA</a:t>
             </a:r>
             <a:endParaRPr lang="it-IT" sz="4400" dirty="0">
               <a:solidFill>
@@ -5600,7 +6437,7 @@
               <a:rPr lang="it-IT" sz="2400" dirty="0" smtClean="0">
                 <a:latin typeface="Cambria" panose="02040503050406030204" pitchFamily="18" charset="0"/>
               </a:rPr>
-              <a:t>idea1 slide</a:t>
+              <a:t>Disturbo 1 slide</a:t>
             </a:r>
           </a:p>
           <a:p>
@@ -5612,25 +6449,7 @@
               <a:rPr lang="it-IT" sz="2400" dirty="0" smtClean="0">
                 <a:latin typeface="Cambria" panose="02040503050406030204" pitchFamily="18" charset="0"/>
               </a:rPr>
-              <a:t>Google </a:t>
-            </a:r>
-            <a:r>
-              <a:rPr lang="it-IT" sz="2400" dirty="0" err="1" smtClean="0">
-                <a:latin typeface="Cambria" panose="02040503050406030204" pitchFamily="18" charset="0"/>
-              </a:rPr>
-              <a:t>Cardboard</a:t>
-            </a:r>
-            <a:r>
-              <a:rPr lang="it-IT" sz="2400" dirty="0" smtClean="0">
-                <a:latin typeface="Cambria" panose="02040503050406030204" pitchFamily="18" charset="0"/>
-              </a:rPr>
-              <a:t> </a:t>
-            </a:r>
-            <a:r>
-              <a:rPr lang="it-IT" sz="2400" dirty="0" smtClean="0">
-                <a:latin typeface="Cambria" panose="02040503050406030204" pitchFamily="18" charset="0"/>
-              </a:rPr>
-              <a:t>1 slide</a:t>
+              <a:t>Trattamenti 1 slide</a:t>
             </a:r>
             <a:endParaRPr lang="it-IT" sz="2400" dirty="0">
               <a:latin typeface="Cambria" panose="02040503050406030204" pitchFamily="18" charset="0"/>
@@ -5641,7 +6460,7 @@
     </p:spTree>
     <p:extLst>
       <p:ext uri="{BB962C8B-B14F-4D97-AF65-F5344CB8AC3E}">
-        <p14:creationId xmlns:p14="http://schemas.microsoft.com/office/powerpoint/2010/main" val="3389184220"/>
+        <p14:creationId xmlns:p14="http://schemas.microsoft.com/office/powerpoint/2010/main" val="2229462151"/>
       </p:ext>
     </p:extLst>
   </p:cSld>
@@ -5832,7 +6651,7 @@
         <p:spPr>
           <a:xfrm>
             <a:off x="285007" y="190005"/>
-            <a:ext cx="7956468" cy="769441"/>
+            <a:ext cx="5225143" cy="769441"/>
           </a:xfrm>
           <a:prstGeom prst="rect">
             <a:avLst/>
@@ -5851,7 +6670,7 @@
                   <a:srgbClr val="044F92"/>
                 </a:solidFill>
               </a:rPr>
-              <a:t>CAR  RACING  CARDBOARD</a:t>
+              <a:t>L’IDEA  DI  3D4Amb</a:t>
             </a:r>
             <a:endParaRPr lang="it-IT" sz="4400" dirty="0">
               <a:solidFill>
@@ -5870,14 +6689,14 @@
         <p:spPr>
           <a:xfrm>
             <a:off x="285007" y="1609981"/>
-            <a:ext cx="8847118" cy="830997"/>
+            <a:ext cx="6096000" cy="830997"/>
           </a:xfrm>
           <a:prstGeom prst="rect">
             <a:avLst/>
           </a:prstGeom>
         </p:spPr>
         <p:txBody>
-          <a:bodyPr wrap="square">
+          <a:bodyPr>
             <a:spAutoFit/>
           </a:bodyPr>
           <a:lstStyle/>
@@ -5890,13 +6709,7 @@
               <a:rPr lang="it-IT" sz="2400" dirty="0" smtClean="0">
                 <a:latin typeface="Cambria" panose="02040503050406030204" pitchFamily="18" charset="0"/>
               </a:rPr>
-              <a:t>Principio di trattamento tramite il gioco </a:t>
-            </a:r>
-            <a:r>
-              <a:rPr lang="it-IT" sz="2400" dirty="0" smtClean="0">
-                <a:latin typeface="Cambria" panose="02040503050406030204" pitchFamily="18" charset="0"/>
-              </a:rPr>
-              <a:t>1 slide</a:t>
+              <a:t>idea1 slide</a:t>
             </a:r>
           </a:p>
           <a:p>
@@ -5908,13 +6721,19 @@
               <a:rPr lang="it-IT" sz="2400" dirty="0" smtClean="0">
                 <a:latin typeface="Cambria" panose="02040503050406030204" pitchFamily="18" charset="0"/>
               </a:rPr>
-              <a:t>Il gioco </a:t>
+              <a:t>Google </a:t>
+            </a:r>
+            <a:r>
+              <a:rPr lang="it-IT" sz="2400" dirty="0" err="1" smtClean="0">
+                <a:latin typeface="Cambria" panose="02040503050406030204" pitchFamily="18" charset="0"/>
+              </a:rPr>
+              <a:t>Cardboard</a:t>
             </a:r>
             <a:r>
               <a:rPr lang="it-IT" sz="2400" dirty="0" smtClean="0">
                 <a:latin typeface="Cambria" panose="02040503050406030204" pitchFamily="18" charset="0"/>
               </a:rPr>
-              <a:t>1 slide</a:t>
+              <a:t> 1 slide</a:t>
             </a:r>
             <a:endParaRPr lang="it-IT" sz="2400" dirty="0">
               <a:latin typeface="Cambria" panose="02040503050406030204" pitchFamily="18" charset="0"/>
@@ -5925,7 +6744,7 @@
     </p:spTree>
     <p:extLst>
       <p:ext uri="{BB962C8B-B14F-4D97-AF65-F5344CB8AC3E}">
-        <p14:creationId xmlns:p14="http://schemas.microsoft.com/office/powerpoint/2010/main" val="4208600632"/>
+        <p14:creationId xmlns:p14="http://schemas.microsoft.com/office/powerpoint/2010/main" val="3389184220"/>
       </p:ext>
     </p:extLst>
   </p:cSld>
@@ -6135,7 +6954,7 @@
                   <a:srgbClr val="044F92"/>
                 </a:solidFill>
               </a:rPr>
-              <a:t>GUIDA   ALL’  UTILIZZO</a:t>
+              <a:t>CAR  RACING  CARDBOARD</a:t>
             </a:r>
             <a:endParaRPr lang="it-IT" sz="4400" dirty="0">
               <a:solidFill>
@@ -6154,7 +6973,7 @@
         <p:spPr>
           <a:xfrm>
             <a:off x="285007" y="1609981"/>
-            <a:ext cx="8847118" cy="1200329"/>
+            <a:ext cx="8847118" cy="830997"/>
           </a:xfrm>
           <a:prstGeom prst="rect">
             <a:avLst/>
@@ -6174,7 +6993,7 @@
               <a:rPr lang="it-IT" sz="2400" dirty="0" smtClean="0">
                 <a:latin typeface="Cambria" panose="02040503050406030204" pitchFamily="18" charset="0"/>
               </a:rPr>
-              <a:t>Le immagini della guida che scorrono una sopra l’altra (facendo scomparire la precedente)</a:t>
+              <a:t>Principio di trattamento tramite il gioco 1 slide</a:t>
             </a:r>
           </a:p>
           <a:p>
@@ -6182,6 +7001,12 @@
               <a:buFont typeface="Arial" panose="020B0604020202020204" pitchFamily="34" charset="0"/>
               <a:buChar char="•"/>
             </a:pPr>
+            <a:r>
+              <a:rPr lang="it-IT" sz="2400" dirty="0" smtClean="0">
+                <a:latin typeface="Cambria" panose="02040503050406030204" pitchFamily="18" charset="0"/>
+              </a:rPr>
+              <a:t>Il gioco 1 slide</a:t>
+            </a:r>
             <a:endParaRPr lang="it-IT" sz="2400" dirty="0">
               <a:latin typeface="Cambria" panose="02040503050406030204" pitchFamily="18" charset="0"/>
             </a:endParaRPr>
@@ -6191,7 +7016,7 @@
     </p:spTree>
     <p:extLst>
       <p:ext uri="{BB962C8B-B14F-4D97-AF65-F5344CB8AC3E}">
-        <p14:creationId xmlns:p14="http://schemas.microsoft.com/office/powerpoint/2010/main" val="1043503477"/>
+        <p14:creationId xmlns:p14="http://schemas.microsoft.com/office/powerpoint/2010/main" val="4208600632"/>
       </p:ext>
     </p:extLst>
   </p:cSld>
@@ -6401,7 +7226,7 @@
                   <a:srgbClr val="044F92"/>
                 </a:solidFill>
               </a:rPr>
-              <a:t>ARCHITETTURA   DI  SISTEMA</a:t>
+              <a:t>GUIDA   ALL’  UTILIZZO</a:t>
             </a:r>
             <a:endParaRPr lang="it-IT" sz="4400" dirty="0">
               <a:solidFill>
@@ -6411,34 +7236,53 @@
           </a:p>
         </p:txBody>
       </p:sp>
-      <p:pic>
-        <p:nvPicPr>
-          <p:cNvPr id="2" name="Immagine 1"/>
-          <p:cNvPicPr>
-            <a:picLocks noChangeAspect="1"/>
-          </p:cNvPicPr>
+      <p:sp>
+        <p:nvSpPr>
+          <p:cNvPr id="10" name="Rettangolo 9"/>
+          <p:cNvSpPr/>
           <p:nvPr/>
-        </p:nvPicPr>
-        <p:blipFill>
-          <a:blip r:embed="rId4"/>
-          <a:stretch>
-            <a:fillRect/>
-          </a:stretch>
-        </p:blipFill>
-        <p:spPr>
-          <a:xfrm>
-            <a:off x="2303959" y="1971929"/>
-            <a:ext cx="7584081" cy="2914141"/>
+        </p:nvSpPr>
+        <p:spPr>
+          <a:xfrm>
+            <a:off x="285007" y="1609981"/>
+            <a:ext cx="8847118" cy="1200329"/>
           </a:xfrm>
           <a:prstGeom prst="rect">
             <a:avLst/>
           </a:prstGeom>
         </p:spPr>
-      </p:pic>
+        <p:txBody>
+          <a:bodyPr wrap="square">
+            <a:spAutoFit/>
+          </a:bodyPr>
+          <a:lstStyle/>
+          <a:p>
+            <a:pPr marL="342900" indent="-342900">
+              <a:buFont typeface="Arial" panose="020B0604020202020204" pitchFamily="34" charset="0"/>
+              <a:buChar char="•"/>
+            </a:pPr>
+            <a:r>
+              <a:rPr lang="it-IT" sz="2400" dirty="0" smtClean="0">
+                <a:latin typeface="Cambria" panose="02040503050406030204" pitchFamily="18" charset="0"/>
+              </a:rPr>
+              <a:t>Le immagini della guida che scorrono una sopra l’altra (facendo scomparire la precedente)</a:t>
+            </a:r>
+          </a:p>
+          <a:p>
+            <a:pPr marL="342900" indent="-342900">
+              <a:buFont typeface="Arial" panose="020B0604020202020204" pitchFamily="34" charset="0"/>
+              <a:buChar char="•"/>
+            </a:pPr>
+            <a:endParaRPr lang="it-IT" sz="2400" dirty="0">
+              <a:latin typeface="Cambria" panose="02040503050406030204" pitchFamily="18" charset="0"/>
+            </a:endParaRPr>
+          </a:p>
+        </p:txBody>
+      </p:sp>
     </p:spTree>
     <p:extLst>
       <p:ext uri="{BB962C8B-B14F-4D97-AF65-F5344CB8AC3E}">
-        <p14:creationId xmlns:p14="http://schemas.microsoft.com/office/powerpoint/2010/main" val="3613873614"/>
+        <p14:creationId xmlns:p14="http://schemas.microsoft.com/office/powerpoint/2010/main" val="1043503477"/>
       </p:ext>
     </p:extLst>
   </p:cSld>
@@ -6648,7 +7492,7 @@
                   <a:srgbClr val="044F92"/>
                 </a:solidFill>
               </a:rPr>
-              <a:t>ALGORITMI</a:t>
+              <a:t>ARCHITETTURA   DI  SISTEMA</a:t>
             </a:r>
             <a:endParaRPr lang="it-IT" sz="4400" dirty="0">
               <a:solidFill>
@@ -6658,89 +7502,34 @@
           </a:p>
         </p:txBody>
       </p:sp>
-      <p:sp>
-        <p:nvSpPr>
-          <p:cNvPr id="10" name="Rettangolo 9"/>
-          <p:cNvSpPr/>
+      <p:pic>
+        <p:nvPicPr>
+          <p:cNvPr id="2" name="Immagine 1"/>
+          <p:cNvPicPr>
+            <a:picLocks noChangeAspect="1"/>
+          </p:cNvPicPr>
           <p:nvPr/>
-        </p:nvSpPr>
-        <p:spPr>
-          <a:xfrm>
-            <a:off x="285007" y="1609981"/>
-            <a:ext cx="8847118" cy="1569660"/>
+        </p:nvPicPr>
+        <p:blipFill>
+          <a:blip r:embed="rId4"/>
+          <a:stretch>
+            <a:fillRect/>
+          </a:stretch>
+        </p:blipFill>
+        <p:spPr>
+          <a:xfrm>
+            <a:off x="2303959" y="1971929"/>
+            <a:ext cx="7584081" cy="2914141"/>
           </a:xfrm>
           <a:prstGeom prst="rect">
             <a:avLst/>
           </a:prstGeom>
         </p:spPr>
-        <p:txBody>
-          <a:bodyPr wrap="square">
-            <a:spAutoFit/>
-          </a:bodyPr>
-          <a:lstStyle/>
-          <a:p>
-            <a:pPr marL="342900" indent="-342900">
-              <a:buFont typeface="Arial" panose="020B0604020202020204" pitchFamily="34" charset="0"/>
-              <a:buChar char="•"/>
-            </a:pPr>
-            <a:r>
-              <a:rPr lang="it-IT" sz="2400" dirty="0" smtClean="0">
-                <a:latin typeface="Cambria" panose="02040503050406030204" pitchFamily="18" charset="0"/>
-              </a:rPr>
-              <a:t>Qualcosa su server e varie chiamate (2 slide)</a:t>
-            </a:r>
-          </a:p>
-          <a:p>
-            <a:pPr marL="342900" indent="-342900">
-              <a:buFont typeface="Arial" panose="020B0604020202020204" pitchFamily="34" charset="0"/>
-              <a:buChar char="•"/>
-            </a:pPr>
-            <a:r>
-              <a:rPr lang="it-IT" sz="2400" dirty="0" err="1" smtClean="0">
-                <a:latin typeface="Cambria" panose="02040503050406030204" pitchFamily="18" charset="0"/>
-              </a:rPr>
-              <a:t>Gamethread</a:t>
-            </a:r>
-            <a:r>
-              <a:rPr lang="it-IT" sz="2400" dirty="0" smtClean="0">
-                <a:latin typeface="Cambria" panose="02040503050406030204" pitchFamily="18" charset="0"/>
-              </a:rPr>
-              <a:t> 1 slide</a:t>
-            </a:r>
-          </a:p>
-          <a:p>
-            <a:pPr marL="342900" indent="-342900">
-              <a:buFont typeface="Arial" panose="020B0604020202020204" pitchFamily="34" charset="0"/>
-              <a:buChar char="•"/>
-            </a:pPr>
-            <a:r>
-              <a:rPr lang="it-IT" sz="2400" dirty="0" err="1" smtClean="0">
-                <a:latin typeface="Cambria" panose="02040503050406030204" pitchFamily="18" charset="0"/>
-              </a:rPr>
-              <a:t>Asynctask</a:t>
-            </a:r>
-            <a:r>
-              <a:rPr lang="it-IT" sz="2400" dirty="0" smtClean="0">
-                <a:latin typeface="Cambria" panose="02040503050406030204" pitchFamily="18" charset="0"/>
-              </a:rPr>
-              <a:t> ??</a:t>
-            </a:r>
-          </a:p>
-          <a:p>
-            <a:pPr marL="342900" indent="-342900">
-              <a:buFont typeface="Arial" panose="020B0604020202020204" pitchFamily="34" charset="0"/>
-              <a:buChar char="•"/>
-            </a:pPr>
-            <a:endParaRPr lang="it-IT" sz="2400" dirty="0">
-              <a:latin typeface="Cambria" panose="02040503050406030204" pitchFamily="18" charset="0"/>
-            </a:endParaRPr>
-          </a:p>
-        </p:txBody>
-      </p:sp>
+      </p:pic>
     </p:spTree>
     <p:extLst>
       <p:ext uri="{BB962C8B-B14F-4D97-AF65-F5344CB8AC3E}">
-        <p14:creationId xmlns:p14="http://schemas.microsoft.com/office/powerpoint/2010/main" val="1258110317"/>
+        <p14:creationId xmlns:p14="http://schemas.microsoft.com/office/powerpoint/2010/main" val="3613873614"/>
       </p:ext>
     </p:extLst>
   </p:cSld>
@@ -6950,7 +7739,7 @@
                   <a:srgbClr val="044F92"/>
                 </a:solidFill>
               </a:rPr>
-              <a:t>SOCIAL   MEDIA</a:t>
+              <a:t>ALGORITMI</a:t>
             </a:r>
             <a:endParaRPr lang="it-IT" sz="4400" dirty="0">
               <a:solidFill>
@@ -6969,7 +7758,7 @@
         <p:spPr>
           <a:xfrm>
             <a:off x="285007" y="1609981"/>
-            <a:ext cx="8847118" cy="830997"/>
+            <a:ext cx="8847118" cy="1569660"/>
           </a:xfrm>
           <a:prstGeom prst="rect">
             <a:avLst/>
@@ -6989,7 +7778,43 @@
               <a:rPr lang="it-IT" sz="2400" dirty="0" smtClean="0">
                 <a:latin typeface="Cambria" panose="02040503050406030204" pitchFamily="18" charset="0"/>
               </a:rPr>
-              <a:t>Slide veloce</a:t>
+              <a:t>Qualcosa su server e varie chiamate (2 slide)</a:t>
+            </a:r>
+          </a:p>
+          <a:p>
+            <a:pPr marL="342900" indent="-342900">
+              <a:buFont typeface="Arial" panose="020B0604020202020204" pitchFamily="34" charset="0"/>
+              <a:buChar char="•"/>
+            </a:pPr>
+            <a:r>
+              <a:rPr lang="it-IT" sz="2400" dirty="0" err="1" smtClean="0">
+                <a:latin typeface="Cambria" panose="02040503050406030204" pitchFamily="18" charset="0"/>
+              </a:rPr>
+              <a:t>Gamethread</a:t>
+            </a:r>
+            <a:r>
+              <a:rPr lang="it-IT" sz="2400" dirty="0" smtClean="0">
+                <a:latin typeface="Cambria" panose="02040503050406030204" pitchFamily="18" charset="0"/>
+              </a:rPr>
+              <a:t> 1 slide</a:t>
+            </a:r>
+          </a:p>
+          <a:p>
+            <a:pPr marL="342900" indent="-342900">
+              <a:buFont typeface="Arial" panose="020B0604020202020204" pitchFamily="34" charset="0"/>
+              <a:buChar char="•"/>
+            </a:pPr>
+            <a:r>
+              <a:rPr lang="it-IT" sz="2400" dirty="0" err="1" smtClean="0">
+                <a:latin typeface="Cambria" panose="02040503050406030204" pitchFamily="18" charset="0"/>
+              </a:rPr>
+              <a:t>Asynctask</a:t>
+            </a:r>
+            <a:r>
+              <a:rPr lang="it-IT" sz="2400" dirty="0" smtClean="0">
+                <a:latin typeface="Cambria" panose="02040503050406030204" pitchFamily="18" charset="0"/>
+              </a:rPr>
+              <a:t> ??</a:t>
             </a:r>
           </a:p>
           <a:p>
@@ -7006,7 +7831,7 @@
     </p:spTree>
     <p:extLst>
       <p:ext uri="{BB962C8B-B14F-4D97-AF65-F5344CB8AC3E}">
-        <p14:creationId xmlns:p14="http://schemas.microsoft.com/office/powerpoint/2010/main" val="3337991039"/>
+        <p14:creationId xmlns:p14="http://schemas.microsoft.com/office/powerpoint/2010/main" val="1258110317"/>
       </p:ext>
     </p:extLst>
   </p:cSld>

--- a/tesi/presentazione/template laurea.pptx
+++ b/tesi/presentazione/template laurea.pptx
@@ -6150,20 +6150,23 @@
         </p:nvSpPr>
         <p:spPr>
           <a:xfrm>
-            <a:off x="285007" y="1609981"/>
-            <a:ext cx="6096000" cy="461665"/>
+            <a:off x="285007" y="1439865"/>
+            <a:ext cx="11348193" cy="3970318"/>
           </a:xfrm>
           <a:prstGeom prst="rect">
             <a:avLst/>
           </a:prstGeom>
         </p:spPr>
         <p:txBody>
-          <a:bodyPr>
+          <a:bodyPr wrap="square">
             <a:spAutoFit/>
           </a:bodyPr>
           <a:lstStyle/>
           <a:p>
             <a:pPr marL="342900" indent="-342900">
+              <a:lnSpc>
+                <a:spcPct val="150000"/>
+              </a:lnSpc>
               <a:buFont typeface="Arial" panose="020B0604020202020204" pitchFamily="34" charset="0"/>
               <a:buChar char="•"/>
             </a:pPr>
@@ -6171,13 +6174,163 @@
               <a:rPr lang="it-IT" sz="2400" dirty="0" smtClean="0">
                 <a:latin typeface="Cambria" panose="02040503050406030204" pitchFamily="18" charset="0"/>
               </a:rPr>
-              <a:t>Obiettivo </a:t>
+              <a:t>2013, Laurea di primo livello: Applicazione desktop (Space </a:t>
+            </a:r>
+            <a:r>
+              <a:rPr lang="it-IT" sz="2400" dirty="0" err="1" smtClean="0">
+                <a:latin typeface="Cambria" panose="02040503050406030204" pitchFamily="18" charset="0"/>
+              </a:rPr>
+              <a:t>Invaders</a:t>
             </a:r>
             <a:r>
               <a:rPr lang="it-IT" sz="2400" dirty="0" smtClean="0">
                 <a:latin typeface="Cambria" panose="02040503050406030204" pitchFamily="18" charset="0"/>
               </a:rPr>
-              <a:t>1 slide</a:t>
+              <a:t>)</a:t>
+            </a:r>
+          </a:p>
+          <a:p>
+            <a:pPr marL="1257300" lvl="2" indent="-342900">
+              <a:lnSpc>
+                <a:spcPct val="150000"/>
+              </a:lnSpc>
+              <a:buFont typeface="Wingdings" panose="05000000000000000000" pitchFamily="2" charset="2"/>
+              <a:buChar char="Ø"/>
+            </a:pPr>
+            <a:r>
+              <a:rPr lang="it-IT" sz="2400" dirty="0" smtClean="0">
+                <a:latin typeface="Cambria" panose="02040503050406030204" pitchFamily="18" charset="0"/>
+              </a:rPr>
+              <a:t>Scheda grafica 3D</a:t>
+            </a:r>
+          </a:p>
+          <a:p>
+            <a:pPr marL="1257300" lvl="2" indent="-342900">
+              <a:lnSpc>
+                <a:spcPct val="150000"/>
+              </a:lnSpc>
+              <a:buFont typeface="Wingdings" panose="05000000000000000000" pitchFamily="2" charset="2"/>
+              <a:buChar char="Ø"/>
+            </a:pPr>
+            <a:r>
+              <a:rPr lang="it-IT" sz="2400" dirty="0" smtClean="0">
+                <a:latin typeface="Cambria" panose="02040503050406030204" pitchFamily="18" charset="0"/>
+              </a:rPr>
+              <a:t>Monitor 3D</a:t>
+            </a:r>
+          </a:p>
+          <a:p>
+            <a:pPr marL="342900" indent="-342900">
+              <a:lnSpc>
+                <a:spcPct val="150000"/>
+              </a:lnSpc>
+              <a:buFont typeface="Arial" panose="020B0604020202020204" pitchFamily="34" charset="0"/>
+              <a:buChar char="•"/>
+            </a:pPr>
+            <a:r>
+              <a:rPr lang="it-IT" sz="2400" dirty="0">
+                <a:latin typeface="Cambria" panose="02040503050406030204" pitchFamily="18" charset="0"/>
+              </a:rPr>
+              <a:t>Oggi con Car Racing </a:t>
+            </a:r>
+            <a:r>
+              <a:rPr lang="it-IT" sz="2400" dirty="0" err="1">
+                <a:latin typeface="Cambria" panose="02040503050406030204" pitchFamily="18" charset="0"/>
+              </a:rPr>
+              <a:t>Cardboard</a:t>
+            </a:r>
+            <a:r>
+              <a:rPr lang="it-IT" sz="2400" dirty="0">
+                <a:latin typeface="Cambria" panose="02040503050406030204" pitchFamily="18" charset="0"/>
+              </a:rPr>
+              <a:t>, è </a:t>
+            </a:r>
+            <a:r>
+              <a:rPr lang="it-IT" sz="2400" dirty="0" err="1">
+                <a:latin typeface="Cambria" panose="02040503050406030204" pitchFamily="18" charset="0"/>
+              </a:rPr>
+              <a:t>suciente</a:t>
+            </a:r>
+            <a:r>
+              <a:rPr lang="it-IT" sz="2400" dirty="0">
+                <a:latin typeface="Cambria" panose="02040503050406030204" pitchFamily="18" charset="0"/>
+              </a:rPr>
+              <a:t> acquistare un visore 3D come </a:t>
+            </a:r>
+            <a:r>
+              <a:rPr lang="it-IT" sz="2400" dirty="0" smtClean="0">
+                <a:latin typeface="Cambria" panose="02040503050406030204" pitchFamily="18" charset="0"/>
+              </a:rPr>
+              <a:t>Google </a:t>
+            </a:r>
+            <a:r>
+              <a:rPr lang="it-IT" sz="2400" dirty="0" err="1" smtClean="0">
+                <a:latin typeface="Cambria" panose="02040503050406030204" pitchFamily="18" charset="0"/>
+              </a:rPr>
+              <a:t>Cardboard</a:t>
+            </a:r>
+            <a:r>
+              <a:rPr lang="it-IT" sz="2400" dirty="0" smtClean="0">
+                <a:latin typeface="Cambria" panose="02040503050406030204" pitchFamily="18" charset="0"/>
+              </a:rPr>
+              <a:t> </a:t>
+            </a:r>
+            <a:r>
+              <a:rPr lang="it-IT" sz="2400" dirty="0">
+                <a:latin typeface="Cambria" panose="02040503050406030204" pitchFamily="18" charset="0"/>
+              </a:rPr>
+              <a:t>(reperibile a circa 10$ online),utilizzare uno </a:t>
+            </a:r>
+            <a:r>
+              <a:rPr lang="it-IT" sz="2400" dirty="0" err="1">
+                <a:latin typeface="Cambria" panose="02040503050406030204" pitchFamily="18" charset="0"/>
+              </a:rPr>
+              <a:t>smartphone</a:t>
+            </a:r>
+            <a:r>
+              <a:rPr lang="it-IT" sz="2400" dirty="0">
+                <a:latin typeface="Cambria" panose="02040503050406030204" pitchFamily="18" charset="0"/>
+              </a:rPr>
+              <a:t> e </a:t>
+            </a:r>
+            <a:r>
+              <a:rPr lang="it-IT" sz="2400" dirty="0" smtClean="0">
+                <a:latin typeface="Cambria" panose="02040503050406030204" pitchFamily="18" charset="0"/>
+              </a:rPr>
+              <a:t>l'applicazione proposta </a:t>
+            </a:r>
+            <a:r>
+              <a:rPr lang="it-IT" sz="2400" dirty="0">
+                <a:latin typeface="Cambria" panose="02040503050406030204" pitchFamily="18" charset="0"/>
+              </a:rPr>
+              <a:t>da </a:t>
+            </a:r>
+            <a:r>
+              <a:rPr lang="it-IT" sz="2400" dirty="0" smtClean="0">
+                <a:latin typeface="Cambria" panose="02040503050406030204" pitchFamily="18" charset="0"/>
+              </a:rPr>
+              <a:t>3D4Amb</a:t>
+            </a:r>
+          </a:p>
+          <a:p>
+            <a:pPr marL="342900" indent="-342900">
+              <a:lnSpc>
+                <a:spcPct val="150000"/>
+              </a:lnSpc>
+              <a:buFont typeface="Arial" panose="020B0604020202020204" pitchFamily="34" charset="0"/>
+              <a:buChar char="•"/>
+            </a:pPr>
+            <a:r>
+              <a:rPr lang="it-IT" sz="2400" dirty="0" smtClean="0">
+                <a:latin typeface="Cambria" panose="02040503050406030204" pitchFamily="18" charset="0"/>
+              </a:rPr>
+              <a:t>VANTAGGIO: bacino d'utenza molto </a:t>
+            </a:r>
+            <a:r>
+              <a:rPr lang="it-IT" sz="2400" dirty="0">
+                <a:latin typeface="Cambria" panose="02040503050406030204" pitchFamily="18" charset="0"/>
+              </a:rPr>
+              <a:t>più ampio.</a:t>
             </a:r>
             <a:endParaRPr lang="it-IT" sz="2400" dirty="0">
               <a:latin typeface="Cambria" panose="02040503050406030204" pitchFamily="18" charset="0"/>
@@ -6185,6 +6338,36 @@
           </a:p>
         </p:txBody>
       </p:sp>
+      <p:pic>
+        <p:nvPicPr>
+          <p:cNvPr id="4" name="Immagine 3"/>
+          <p:cNvPicPr>
+            <a:picLocks noChangeAspect="1"/>
+          </p:cNvPicPr>
+          <p:nvPr/>
+        </p:nvPicPr>
+        <p:blipFill>
+          <a:blip r:embed="rId4" cstate="print">
+            <a:extLst>
+              <a:ext uri="{28A0092B-C50C-407E-A947-70E740481C1C}">
+                <a14:useLocalDpi xmlns:a14="http://schemas.microsoft.com/office/drawing/2010/main" val="0"/>
+              </a:ext>
+            </a:extLst>
+          </a:blip>
+          <a:stretch>
+            <a:fillRect/>
+          </a:stretch>
+        </p:blipFill>
+        <p:spPr>
+          <a:xfrm>
+            <a:off x="9405004" y="190005"/>
+            <a:ext cx="1051034" cy="914400"/>
+          </a:xfrm>
+          <a:prstGeom prst="rect">
+            <a:avLst/>
+          </a:prstGeom>
+        </p:spPr>
+      </p:pic>
     </p:spTree>
     <p:extLst>
       <p:ext uri="{BB962C8B-B14F-4D97-AF65-F5344CB8AC3E}">

--- a/tesi/presentazione/template laurea.pptx
+++ b/tesi/presentazione/template laurea.pptx
@@ -5,7 +5,7 @@
     <p:sldMasterId id="2147483648" r:id="rId1"/>
   </p:sldMasterIdLst>
   <p:notesMasterIdLst>
-    <p:notesMasterId r:id="rId13"/>
+    <p:notesMasterId r:id="rId14"/>
   </p:notesMasterIdLst>
   <p:sldIdLst>
     <p:sldId id="256" r:id="rId2"/>
@@ -18,7 +18,8 @@
     <p:sldId id="262" r:id="rId9"/>
     <p:sldId id="263" r:id="rId10"/>
     <p:sldId id="264" r:id="rId11"/>
-    <p:sldId id="265" r:id="rId12"/>
+    <p:sldId id="267" r:id="rId12"/>
+    <p:sldId id="265" r:id="rId13"/>
   </p:sldIdLst>
   <p:sldSz cx="12192000" cy="6858000"/>
   <p:notesSz cx="6858000" cy="9144000"/>
@@ -119,7 +120,7 @@
   </p:defaultTextStyle>
   <p:extLst>
     <p:ext uri="{EFAFB233-063F-42B5-8137-9DF3F51BA10A}">
-      <p15:sldGuideLst xmlns:p15="http://schemas.microsoft.com/office/powerpoint/2012/main"/>
+      <p15:sldGuideLst xmlns:p15="http://schemas.microsoft.com/office/powerpoint/2012/main" xmlns=""/>
     </p:ext>
   </p:extLst>
 </p:presentation>
@@ -207,7 +208,7 @@
           <a:p>
             <a:fld id="{B8FD74C9-97B2-40A2-A045-D98EF1CCDAB4}" type="datetimeFigureOut">
               <a:rPr lang="it-IT" smtClean="0"/>
-              <a:t>06/09/2015</a:t>
+              <a:t>09/09/2015</a:t>
             </a:fld>
             <a:endParaRPr lang="it-IT"/>
           </a:p>
@@ -881,6 +882,90 @@
     </p:spTree>
     <p:extLst>
       <p:ext uri="{BB962C8B-B14F-4D97-AF65-F5344CB8AC3E}">
+        <p14:creationId xmlns:p14="http://schemas.microsoft.com/office/powerpoint/2010/main" val="393520312"/>
+      </p:ext>
+    </p:extLst>
+  </p:cSld>
+  <p:clrMapOvr>
+    <a:masterClrMapping/>
+  </p:clrMapOvr>
+</p:notes>
+</file>
+
+<file path=ppt/notesSlides/notesSlide11.xml><?xml version="1.0" encoding="utf-8"?>
+<p:notes xmlns:a="http://schemas.openxmlformats.org/drawingml/2006/main" xmlns:r="http://schemas.openxmlformats.org/officeDocument/2006/relationships" xmlns:p="http://schemas.openxmlformats.org/presentationml/2006/main">
+  <p:cSld>
+    <p:spTree>
+      <p:nvGrpSpPr>
+        <p:cNvPr id="1" name=""/>
+        <p:cNvGrpSpPr/>
+        <p:nvPr/>
+      </p:nvGrpSpPr>
+      <p:grpSpPr>
+        <a:xfrm>
+          <a:off x="0" y="0"/>
+          <a:ext cx="0" cy="0"/>
+          <a:chOff x="0" y="0"/>
+          <a:chExt cx="0" cy="0"/>
+        </a:xfrm>
+      </p:grpSpPr>
+      <p:sp>
+        <p:nvSpPr>
+          <p:cNvPr id="2" name="Segnaposto immagine diapositiva 1"/>
+          <p:cNvSpPr>
+            <a:spLocks noGrp="1" noRot="1" noChangeAspect="1"/>
+          </p:cNvSpPr>
+          <p:nvPr>
+            <p:ph type="sldImg"/>
+          </p:nvPr>
+        </p:nvSpPr>
+        <p:spPr/>
+      </p:sp>
+      <p:sp>
+        <p:nvSpPr>
+          <p:cNvPr id="3" name="Segnaposto note 2"/>
+          <p:cNvSpPr>
+            <a:spLocks noGrp="1"/>
+          </p:cNvSpPr>
+          <p:nvPr>
+            <p:ph type="body" idx="1"/>
+          </p:nvPr>
+        </p:nvSpPr>
+        <p:spPr/>
+        <p:txBody>
+          <a:bodyPr/>
+          <a:lstStyle/>
+          <a:p>
+            <a:endParaRPr lang="it-IT"/>
+          </a:p>
+        </p:txBody>
+      </p:sp>
+      <p:sp>
+        <p:nvSpPr>
+          <p:cNvPr id="4" name="Segnaposto numero diapositiva 3"/>
+          <p:cNvSpPr>
+            <a:spLocks noGrp="1"/>
+          </p:cNvSpPr>
+          <p:nvPr>
+            <p:ph type="sldNum" sz="quarter" idx="10"/>
+          </p:nvPr>
+        </p:nvSpPr>
+        <p:spPr/>
+        <p:txBody>
+          <a:bodyPr/>
+          <a:lstStyle/>
+          <a:p>
+            <a:fld id="{CFA2E487-D896-4E0E-8AAE-B7DEF5C7D479}" type="slidenum">
+              <a:rPr lang="it-IT" smtClean="0"/>
+              <a:t>12</a:t>
+            </a:fld>
+            <a:endParaRPr lang="it-IT"/>
+          </a:p>
+        </p:txBody>
+      </p:sp>
+    </p:spTree>
+    <p:extLst>
+      <p:ext uri="{BB962C8B-B14F-4D97-AF65-F5344CB8AC3E}">
         <p14:creationId xmlns:p14="http://schemas.microsoft.com/office/powerpoint/2010/main" val="3844343771"/>
       </p:ext>
     </p:extLst>
@@ -1694,7 +1779,7 @@
           <a:p>
             <a:fld id="{B6E0B508-B881-48D4-821F-B26A9B79B3A3}" type="datetime1">
               <a:rPr lang="it-IT" smtClean="0"/>
-              <a:t>06/09/2015</a:t>
+              <a:t>09/09/2015</a:t>
             </a:fld>
             <a:endParaRPr lang="it-IT"/>
           </a:p>
@@ -1868,7 +1953,7 @@
           <a:p>
             <a:fld id="{545E7D00-0C8E-496B-868A-D9493DABF12A}" type="datetime1">
               <a:rPr lang="it-IT" smtClean="0"/>
-              <a:t>06/09/2015</a:t>
+              <a:t>09/09/2015</a:t>
             </a:fld>
             <a:endParaRPr lang="it-IT"/>
           </a:p>
@@ -2052,7 +2137,7 @@
           <a:p>
             <a:fld id="{342D94BC-23A3-46DD-9619-248029D1FE94}" type="datetime1">
               <a:rPr lang="it-IT" smtClean="0"/>
-              <a:t>06/09/2015</a:t>
+              <a:t>09/09/2015</a:t>
             </a:fld>
             <a:endParaRPr lang="it-IT"/>
           </a:p>
@@ -2226,7 +2311,7 @@
           <a:p>
             <a:fld id="{983F8A9F-C710-45FD-AB35-78C2F839272B}" type="datetime1">
               <a:rPr lang="it-IT" smtClean="0"/>
-              <a:t>06/09/2015</a:t>
+              <a:t>09/09/2015</a:t>
             </a:fld>
             <a:endParaRPr lang="it-IT"/>
           </a:p>
@@ -2476,7 +2561,7 @@
           <a:p>
             <a:fld id="{9B464FB8-12C8-4D66-8BC8-12E032A671B0}" type="datetime1">
               <a:rPr lang="it-IT" smtClean="0"/>
-              <a:t>06/09/2015</a:t>
+              <a:t>09/09/2015</a:t>
             </a:fld>
             <a:endParaRPr lang="it-IT"/>
           </a:p>
@@ -2712,7 +2797,7 @@
           <a:p>
             <a:fld id="{81A4ECBC-51E7-4B1D-AAB5-8994720AB72C}" type="datetime1">
               <a:rPr lang="it-IT" smtClean="0"/>
-              <a:t>06/09/2015</a:t>
+              <a:t>09/09/2015</a:t>
             </a:fld>
             <a:endParaRPr lang="it-IT"/>
           </a:p>
@@ -3083,7 +3168,7 @@
           <a:p>
             <a:fld id="{E56DF166-8581-411D-A5E4-5D293DDC1382}" type="datetime1">
               <a:rPr lang="it-IT" smtClean="0"/>
-              <a:t>06/09/2015</a:t>
+              <a:t>09/09/2015</a:t>
             </a:fld>
             <a:endParaRPr lang="it-IT"/>
           </a:p>
@@ -3205,7 +3290,7 @@
           <a:p>
             <a:fld id="{BC186AF0-FDBB-4A9A-A1FA-DAE9933BF9AF}" type="datetime1">
               <a:rPr lang="it-IT" smtClean="0"/>
-              <a:t>06/09/2015</a:t>
+              <a:t>09/09/2015</a:t>
             </a:fld>
             <a:endParaRPr lang="it-IT"/>
           </a:p>
@@ -3304,7 +3389,7 @@
           <a:p>
             <a:fld id="{DD35B7E5-4546-4F7B-BEE8-CB19004121FB}" type="datetime1">
               <a:rPr lang="it-IT" smtClean="0"/>
-              <a:t>06/09/2015</a:t>
+              <a:t>09/09/2015</a:t>
             </a:fld>
             <a:endParaRPr lang="it-IT"/>
           </a:p>
@@ -3585,7 +3670,7 @@
           <a:p>
             <a:fld id="{50A02FB4-091F-4DFA-BF35-ED3D039280B7}" type="datetime1">
               <a:rPr lang="it-IT" smtClean="0"/>
-              <a:t>06/09/2015</a:t>
+              <a:t>09/09/2015</a:t>
             </a:fld>
             <a:endParaRPr lang="it-IT"/>
           </a:p>
@@ -3842,7 +3927,7 @@
           <a:p>
             <a:fld id="{5C6E9F36-295A-42C0-BFD2-99935AC5EFFF}" type="datetime1">
               <a:rPr lang="it-IT" smtClean="0"/>
-              <a:t>06/09/2015</a:t>
+              <a:t>09/09/2015</a:t>
             </a:fld>
             <a:endParaRPr lang="it-IT"/>
           </a:p>
@@ -4059,7 +4144,7 @@
           <a:p>
             <a:fld id="{8E2F48DD-6D73-4E6A-8EC2-7153CF7C39F2}" type="datetime1">
               <a:rPr lang="it-IT" smtClean="0"/>
-              <a:t>06/09/2015</a:t>
+              <a:t>09/09/2015</a:t>
             </a:fld>
             <a:endParaRPr lang="it-IT"/>
           </a:p>
@@ -5310,7 +5395,7 @@
                   <a:srgbClr val="044F92"/>
                 </a:solidFill>
               </a:rPr>
-              <a:t>CONCLUSIONI</a:t>
+              <a:t>DATI</a:t>
             </a:r>
             <a:endParaRPr lang="it-IT" sz="4400" dirty="0">
               <a:solidFill>
@@ -5341,31 +5426,323 @@
           </a:bodyPr>
           <a:lstStyle/>
           <a:p>
+            <a:r>
+              <a:rPr lang="it-IT" sz="2400" dirty="0">
+                <a:latin typeface="Cambria" panose="02040503050406030204" pitchFamily="18" charset="0"/>
+              </a:rPr>
+              <a:t> </a:t>
+            </a:r>
+            <a:r>
+              <a:rPr lang="it-IT" sz="2400" dirty="0" smtClean="0">
+                <a:latin typeface="Cambria" panose="02040503050406030204" pitchFamily="18" charset="0"/>
+              </a:rPr>
+              <a:t>dati </a:t>
+            </a:r>
+            <a:r>
+              <a:rPr lang="it-IT" sz="2400" dirty="0" err="1" smtClean="0">
+                <a:latin typeface="Cambria" panose="02040503050406030204" pitchFamily="18" charset="0"/>
+              </a:rPr>
+              <a:t>app</a:t>
+            </a:r>
+            <a:endParaRPr lang="it-IT" sz="2400" dirty="0" smtClean="0">
+              <a:latin typeface="Cambria" panose="02040503050406030204" pitchFamily="18" charset="0"/>
+            </a:endParaRPr>
+          </a:p>
+          <a:p>
+            <a:r>
+              <a:rPr lang="it-IT" sz="2400" dirty="0" smtClean="0">
+                <a:latin typeface="Cambria" panose="02040503050406030204" pitchFamily="18" charset="0"/>
+              </a:rPr>
+              <a:t>Numero download</a:t>
+            </a:r>
+          </a:p>
+          <a:p>
+            <a:r>
+              <a:rPr lang="it-IT" sz="2400" dirty="0" err="1" smtClean="0">
+                <a:latin typeface="Cambria" panose="02040503050406030204" pitchFamily="18" charset="0"/>
+              </a:rPr>
+              <a:t>Crashlitics</a:t>
+            </a:r>
+            <a:endParaRPr lang="it-IT" sz="2400" dirty="0" smtClean="0">
+              <a:latin typeface="Cambria" panose="02040503050406030204" pitchFamily="18" charset="0"/>
+            </a:endParaRPr>
+          </a:p>
+          <a:p>
+            <a:r>
+              <a:rPr lang="it-IT" sz="2400" smtClean="0">
+                <a:latin typeface="Cambria" panose="02040503050406030204" pitchFamily="18" charset="0"/>
+              </a:rPr>
+              <a:t>Dati gioco</a:t>
+            </a:r>
+            <a:endParaRPr lang="it-IT" sz="2400" dirty="0" smtClean="0">
+              <a:latin typeface="Cambria" panose="02040503050406030204" pitchFamily="18" charset="0"/>
+            </a:endParaRPr>
+          </a:p>
+          <a:p>
             <a:pPr marL="342900" indent="-342900">
               <a:buFont typeface="Arial" panose="020B0604020202020204" pitchFamily="34" charset="0"/>
               <a:buChar char="•"/>
             </a:pPr>
-            <a:r>
-              <a:rPr lang="it-IT" sz="2400" dirty="0" smtClean="0">
+            <a:endParaRPr lang="it-IT" sz="2400" dirty="0">
+              <a:latin typeface="Cambria" panose="02040503050406030204" pitchFamily="18" charset="0"/>
+            </a:endParaRPr>
+          </a:p>
+        </p:txBody>
+      </p:sp>
+    </p:spTree>
+    <p:extLst>
+      <p:ext uri="{BB962C8B-B14F-4D97-AF65-F5344CB8AC3E}">
+        <p14:creationId xmlns:p14="http://schemas.microsoft.com/office/powerpoint/2010/main" val="2463686729"/>
+      </p:ext>
+    </p:extLst>
+  </p:cSld>
+  <p:clrMapOvr>
+    <a:masterClrMapping/>
+  </p:clrMapOvr>
+  <p:timing>
+    <p:tnLst>
+      <p:par>
+        <p:cTn id="1" dur="indefinite" restart="never" nodeType="tmRoot"/>
+      </p:par>
+    </p:tnLst>
+  </p:timing>
+</p:sld>
+</file>
+
+<file path=ppt/slides/slide12.xml><?xml version="1.0" encoding="utf-8"?>
+<p:sld xmlns:a="http://schemas.openxmlformats.org/drawingml/2006/main" xmlns:r="http://schemas.openxmlformats.org/officeDocument/2006/relationships" xmlns:p="http://schemas.openxmlformats.org/presentationml/2006/main">
+  <p:cSld>
+    <p:spTree>
+      <p:nvGrpSpPr>
+        <p:cNvPr id="1" name=""/>
+        <p:cNvGrpSpPr/>
+        <p:nvPr/>
+      </p:nvGrpSpPr>
+      <p:grpSpPr>
+        <a:xfrm>
+          <a:off x="0" y="0"/>
+          <a:ext cx="0" cy="0"/>
+          <a:chOff x="0" y="0"/>
+          <a:chExt cx="0" cy="0"/>
+        </a:xfrm>
+      </p:grpSpPr>
+      <p:cxnSp>
+        <p:nvCxnSpPr>
+          <p:cNvPr id="3" name="Connettore 1 2"/>
+          <p:cNvCxnSpPr/>
+          <p:nvPr/>
+        </p:nvCxnSpPr>
+        <p:spPr>
+          <a:xfrm>
+            <a:off x="0" y="1104405"/>
+            <a:ext cx="12192000" cy="0"/>
+          </a:xfrm>
+          <a:prstGeom prst="line">
+            <a:avLst/>
+          </a:prstGeom>
+          <a:ln>
+            <a:solidFill>
+              <a:srgbClr val="044F92"/>
+            </a:solidFill>
+          </a:ln>
+        </p:spPr>
+        <p:style>
+          <a:lnRef idx="1">
+            <a:schemeClr val="accent1"/>
+          </a:lnRef>
+          <a:fillRef idx="0">
+            <a:schemeClr val="accent1"/>
+          </a:fillRef>
+          <a:effectRef idx="0">
+            <a:schemeClr val="accent1"/>
+          </a:effectRef>
+          <a:fontRef idx="minor">
+            <a:schemeClr val="tx1"/>
+          </a:fontRef>
+        </p:style>
+      </p:cxnSp>
+      <p:sp>
+        <p:nvSpPr>
+          <p:cNvPr id="5" name="Rettangolo 4"/>
+          <p:cNvSpPr/>
+          <p:nvPr/>
+        </p:nvSpPr>
+        <p:spPr>
+          <a:xfrm>
+            <a:off x="0" y="6258296"/>
+            <a:ext cx="12192000" cy="599704"/>
+          </a:xfrm>
+          <a:prstGeom prst="rect">
+            <a:avLst/>
+          </a:prstGeom>
+          <a:solidFill>
+            <a:srgbClr val="044F92"/>
+          </a:solidFill>
+        </p:spPr>
+        <p:style>
+          <a:lnRef idx="2">
+            <a:schemeClr val="accent1">
+              <a:shade val="50000"/>
+            </a:schemeClr>
+          </a:lnRef>
+          <a:fillRef idx="1">
+            <a:schemeClr val="accent1"/>
+          </a:fillRef>
+          <a:effectRef idx="0">
+            <a:schemeClr val="accent1"/>
+          </a:effectRef>
+          <a:fontRef idx="minor">
+            <a:schemeClr val="lt1"/>
+          </a:fontRef>
+        </p:style>
+        <p:txBody>
+          <a:bodyPr rtlCol="0" anchor="ctr"/>
+          <a:lstStyle/>
+          <a:p>
+            <a:pPr algn="ctr"/>
+            <a:endParaRPr lang="it-IT" dirty="0"/>
+          </a:p>
+        </p:txBody>
+      </p:sp>
+      <p:sp>
+        <p:nvSpPr>
+          <p:cNvPr id="6" name="CasellaDiTesto 5"/>
+          <p:cNvSpPr txBox="1"/>
+          <p:nvPr/>
+        </p:nvSpPr>
+        <p:spPr>
+          <a:xfrm>
+            <a:off x="166254" y="6373482"/>
+            <a:ext cx="2175596" cy="369332"/>
+          </a:xfrm>
+          <a:prstGeom prst="rect">
+            <a:avLst/>
+          </a:prstGeom>
+          <a:noFill/>
+        </p:spPr>
+        <p:txBody>
+          <a:bodyPr wrap="none" rtlCol="0">
+            <a:spAutoFit/>
+          </a:bodyPr>
+          <a:lstStyle/>
+          <a:p>
+            <a:r>
+              <a:rPr lang="it-IT" dirty="0" smtClean="0">
+                <a:solidFill>
+                  <a:schemeClr val="bg1"/>
+                </a:solidFill>
                 <a:latin typeface="Cambria" panose="02040503050406030204" pitchFamily="18" charset="0"/>
               </a:rPr>
-              <a:t>Prima parte conclusioni</a:t>
-            </a:r>
-          </a:p>
+              <a:t>Scuola di Ingegneria</a:t>
+            </a:r>
+            <a:endParaRPr lang="it-IT" dirty="0">
+              <a:solidFill>
+                <a:schemeClr val="bg1"/>
+              </a:solidFill>
+              <a:latin typeface="Cambria" panose="02040503050406030204" pitchFamily="18" charset="0"/>
+            </a:endParaRPr>
+          </a:p>
+        </p:txBody>
+      </p:sp>
+      <p:pic>
+        <p:nvPicPr>
+          <p:cNvPr id="8" name="Immagine 7"/>
+          <p:cNvPicPr>
+            <a:picLocks noChangeAspect="1"/>
+          </p:cNvPicPr>
+          <p:nvPr/>
+        </p:nvPicPr>
+        <p:blipFill>
+          <a:blip r:embed="rId3" cstate="print">
+            <a:extLst>
+              <a:ext uri="{28A0092B-C50C-407E-A947-70E740481C1C}">
+                <a14:useLocalDpi xmlns:a14="http://schemas.microsoft.com/office/drawing/2010/main" val="0"/>
+              </a:ext>
+            </a:extLst>
+          </a:blip>
+          <a:stretch>
+            <a:fillRect/>
+          </a:stretch>
+        </p:blipFill>
+        <p:spPr>
+          <a:xfrm>
+            <a:off x="10456038" y="6317671"/>
+            <a:ext cx="1450189" cy="484518"/>
+          </a:xfrm>
+          <a:prstGeom prst="rect">
+            <a:avLst/>
+          </a:prstGeom>
+        </p:spPr>
+      </p:pic>
+      <p:sp>
+        <p:nvSpPr>
+          <p:cNvPr id="9" name="CasellaDiTesto 8"/>
+          <p:cNvSpPr txBox="1"/>
+          <p:nvPr/>
+        </p:nvSpPr>
+        <p:spPr>
+          <a:xfrm>
+            <a:off x="285007" y="190005"/>
+            <a:ext cx="7956468" cy="769441"/>
+          </a:xfrm>
+          <a:prstGeom prst="rect">
+            <a:avLst/>
+          </a:prstGeom>
+          <a:noFill/>
+        </p:spPr>
+        <p:txBody>
+          <a:bodyPr wrap="square" rtlCol="0">
+            <a:spAutoFit/>
+          </a:bodyPr>
+          <a:lstStyle/>
+          <a:p>
+            <a:r>
+              <a:rPr lang="it-IT" sz="4400" dirty="0" smtClean="0">
+                <a:solidFill>
+                  <a:srgbClr val="044F92"/>
+                </a:solidFill>
+              </a:rPr>
+              <a:t>CONCLUSIONI</a:t>
+            </a:r>
+            <a:endParaRPr lang="it-IT" sz="4400" dirty="0">
+              <a:solidFill>
+                <a:srgbClr val="044F92"/>
+              </a:solidFill>
+            </a:endParaRPr>
+          </a:p>
+        </p:txBody>
+      </p:sp>
+      <p:sp>
+        <p:nvSpPr>
+          <p:cNvPr id="10" name="Rettangolo 9"/>
+          <p:cNvSpPr/>
+          <p:nvPr/>
+        </p:nvSpPr>
+        <p:spPr>
+          <a:xfrm>
+            <a:off x="285007" y="1609981"/>
+            <a:ext cx="8847118" cy="2677656"/>
+          </a:xfrm>
+          <a:prstGeom prst="rect">
+            <a:avLst/>
+          </a:prstGeom>
+        </p:spPr>
+        <p:txBody>
+          <a:bodyPr wrap="square">
+            <a:spAutoFit/>
+          </a:bodyPr>
+          <a:lstStyle/>
           <a:p>
             <a:pPr marL="342900" indent="-342900">
               <a:buFont typeface="Arial" panose="020B0604020202020204" pitchFamily="34" charset="0"/>
               <a:buChar char="•"/>
             </a:pPr>
             <a:r>
-              <a:rPr lang="it-IT" sz="2400" dirty="0" err="1" smtClean="0">
+              <a:rPr lang="it-IT" sz="2400" dirty="0" smtClean="0">
                 <a:latin typeface="Cambria" panose="02040503050406030204" pitchFamily="18" charset="0"/>
               </a:rPr>
-              <a:t>Paper</a:t>
-            </a:r>
-            <a:endParaRPr lang="it-IT" sz="2400" dirty="0" smtClean="0">
-              <a:latin typeface="Cambria" panose="02040503050406030204" pitchFamily="18" charset="0"/>
-            </a:endParaRPr>
+              <a:t>Prima parte conclusioni</a:t>
+            </a:r>
           </a:p>
           <a:p>
             <a:pPr marL="342900" indent="-342900">
@@ -5373,11 +5750,14 @@
               <a:buChar char="•"/>
             </a:pPr>
             <a:r>
-              <a:rPr lang="it-IT" sz="2400" dirty="0" smtClean="0">
+              <a:rPr lang="it-IT" sz="2400" dirty="0" err="1" smtClean="0">
                 <a:latin typeface="Cambria" panose="02040503050406030204" pitchFamily="18" charset="0"/>
               </a:rPr>
-              <a:t>Sviluppi futuri</a:t>
-            </a:r>
+              <a:t>Paper</a:t>
+            </a:r>
+            <a:endParaRPr lang="it-IT" sz="2400" dirty="0" smtClean="0">
+              <a:latin typeface="Cambria" panose="02040503050406030204" pitchFamily="18" charset="0"/>
+            </a:endParaRPr>
           </a:p>
           <a:p>
             <a:pPr marL="342900" indent="-342900">
@@ -5388,7 +5768,7 @@
               <a:rPr lang="it-IT" sz="2400" dirty="0" smtClean="0">
                 <a:latin typeface="Cambria" panose="02040503050406030204" pitchFamily="18" charset="0"/>
               </a:rPr>
-              <a:t>????? I dati che abbiamo raccolto????</a:t>
+              <a:t>Sviluppi futuri</a:t>
             </a:r>
           </a:p>
           <a:p>
@@ -5396,6 +5776,38 @@
               <a:buFont typeface="Arial" panose="020B0604020202020204" pitchFamily="34" charset="0"/>
               <a:buChar char="•"/>
             </a:pPr>
+            <a:r>
+              <a:rPr lang="it-IT" sz="2400" dirty="0" smtClean="0">
+                <a:latin typeface="Cambria" panose="02040503050406030204" pitchFamily="18" charset="0"/>
+              </a:rPr>
+              <a:t>????? I dati che abbiamo raccolto????</a:t>
+            </a:r>
+          </a:p>
+          <a:p>
+            <a:pPr marL="342900" indent="-342900">
+              <a:buFont typeface="Arial" panose="020B0604020202020204" pitchFamily="34" charset="0"/>
+              <a:buChar char="•"/>
+            </a:pPr>
+            <a:endParaRPr lang="it-IT" sz="2400" dirty="0" smtClean="0">
+              <a:latin typeface="Cambria" panose="02040503050406030204" pitchFamily="18" charset="0"/>
+            </a:endParaRPr>
+          </a:p>
+          <a:p>
+            <a:pPr marL="342900" indent="-342900">
+              <a:buFont typeface="Arial" panose="020B0604020202020204" pitchFamily="34" charset="0"/>
+              <a:buChar char="•"/>
+            </a:pPr>
+            <a:endParaRPr lang="it-IT" sz="2400" dirty="0">
+              <a:latin typeface="Cambria" panose="02040503050406030204" pitchFamily="18" charset="0"/>
+            </a:endParaRPr>
+          </a:p>
+          <a:p>
+            <a:r>
+              <a:rPr lang="it-IT" sz="2400" dirty="0" smtClean="0">
+                <a:latin typeface="Cambria" panose="02040503050406030204" pitchFamily="18" charset="0"/>
+              </a:rPr>
+              <a:t>Tempo 25 minuti</a:t>
+            </a:r>
             <a:endParaRPr lang="it-IT" sz="2400" dirty="0">
               <a:latin typeface="Cambria" panose="02040503050406030204" pitchFamily="18" charset="0"/>
             </a:endParaRPr>
@@ -6332,9 +6744,6 @@
               </a:rPr>
               <a:t>più ampio.</a:t>
             </a:r>
-            <a:endParaRPr lang="it-IT" sz="2400" dirty="0">
-              <a:latin typeface="Cambria" panose="02040503050406030204" pitchFamily="18" charset="0"/>
-            </a:endParaRPr>
           </a:p>
         </p:txBody>
       </p:sp>
@@ -8286,7 +8695,7 @@
   <a:extraClrSchemeLst/>
   <a:extLst>
     <a:ext uri="{05A4C25C-085E-4340-85A3-A5531E510DB2}">
-      <thm15:themeFamily xmlns:thm15="http://schemas.microsoft.com/office/thememl/2012/main" name="Office Theme" id="{62F939B6-93AF-4DB8-9C6B-D6C7DFDC589F}" vid="{4A3C46E8-61CC-4603-A589-7422A47A8E4A}"/>
+      <thm15:themeFamily xmlns:thm15="http://schemas.microsoft.com/office/thememl/2012/main" xmlns="" name="Office Theme" id="{62F939B6-93AF-4DB8-9C6B-D6C7DFDC589F}" vid="{4A3C46E8-61CC-4603-A589-7422A47A8E4A}"/>
     </a:ext>
   </a:extLst>
 </a:theme>
@@ -8547,7 +8956,7 @@
   <a:extraClrSchemeLst/>
   <a:extLst>
     <a:ext uri="{05A4C25C-085E-4340-85A3-A5531E510DB2}">
-      <thm15:themeFamily xmlns:thm15="http://schemas.microsoft.com/office/thememl/2012/main" name="Office Theme" id="{62F939B6-93AF-4DB8-9C6B-D6C7DFDC589F}" vid="{4A3C46E8-61CC-4603-A589-7422A47A8E4A}"/>
+      <thm15:themeFamily xmlns:thm15="http://schemas.microsoft.com/office/thememl/2012/main" xmlns="" name="Office Theme" id="{62F939B6-93AF-4DB8-9C6B-D6C7DFDC589F}" vid="{4A3C46E8-61CC-4603-A589-7422A47A8E4A}"/>
     </a:ext>
   </a:extLst>
 </a:theme>
